--- a/1.图解前端基础入门概览/从软件开发入门前端.pptx
+++ b/1.图解前端基础入门概览/从软件开发入门前端.pptx
@@ -122,6 +122,9 @@
         </p14:section>
       </p14:sectionLst>
     </p:ext>
+    <p:ext uri="{EFAFB233-063F-42B5-8137-9DF3F51BA10A}">
+      <p15:sldGuideLst xmlns:p15="http://schemas.microsoft.com/office/powerpoint/2012/main"/>
+    </p:ext>
   </p:extLst>
 </p:presentation>
 </file>
@@ -176,7 +179,7 @@
           <a:noFill/>
           <a:extLst>
             <a:ext uri="{909E8E84-426E-40dd-AFC4-6F175D3DCCD1}">
-              <a14:hiddenFill xmlns:a14="http://schemas.microsoft.com/office/drawing/2010/main" xmlns="">
+              <a14:hiddenFill xmlns="" xmlns:a14="http://schemas.microsoft.com/office/drawing/2010/main">
                 <a:solidFill>
                   <a:srgbClr val="FFFFFF"/>
                 </a:solidFill>
@@ -236,7 +239,7 @@
             </a:ln>
             <a:extLst>
               <a:ext uri="{91240B29-F687-4f45-9708-019B960494DF}">
-                <a14:hiddenLine xmlns:a14="http://schemas.microsoft.com/office/drawing/2010/main" xmlns="" w="9525">
+                <a14:hiddenLine xmlns="" xmlns:a14="http://schemas.microsoft.com/office/drawing/2010/main" w="9525">
                   <a:solidFill>
                     <a:srgbClr val="000000"/>
                   </a:solidFill>
@@ -326,7 +329,7 @@
             </a:ln>
             <a:extLst>
               <a:ext uri="{91240B29-F687-4f45-9708-019B960494DF}">
-                <a14:hiddenLine xmlns:a14="http://schemas.microsoft.com/office/drawing/2010/main" xmlns="" w="9525">
+                <a14:hiddenLine xmlns="" xmlns:a14="http://schemas.microsoft.com/office/drawing/2010/main" w="9525">
                   <a:solidFill>
                     <a:srgbClr val="000000"/>
                   </a:solidFill>
@@ -416,7 +419,7 @@
             </a:ln>
             <a:extLst>
               <a:ext uri="{91240B29-F687-4f45-9708-019B960494DF}">
-                <a14:hiddenLine xmlns:a14="http://schemas.microsoft.com/office/drawing/2010/main" xmlns="" w="9525">
+                <a14:hiddenLine xmlns="" xmlns:a14="http://schemas.microsoft.com/office/drawing/2010/main" w="9525">
                   <a:solidFill>
                     <a:srgbClr val="000000"/>
                   </a:solidFill>
@@ -450,7 +453,7 @@
             </a:ln>
             <a:extLst>
               <a:ext uri="{91240B29-F687-4f45-9708-019B960494DF}">
-                <a14:hiddenLine xmlns:a14="http://schemas.microsoft.com/office/drawing/2010/main" xmlns="" w="9525">
+                <a14:hiddenLine xmlns="" xmlns:a14="http://schemas.microsoft.com/office/drawing/2010/main" w="9525">
                   <a:solidFill>
                     <a:srgbClr val="000000"/>
                   </a:solidFill>
@@ -540,7 +543,7 @@
             </a:ln>
             <a:extLst>
               <a:ext uri="{91240B29-F687-4f45-9708-019B960494DF}">
-                <a14:hiddenLine xmlns:a14="http://schemas.microsoft.com/office/drawing/2010/main" xmlns="" w="9525">
+                <a14:hiddenLine xmlns="" xmlns:a14="http://schemas.microsoft.com/office/drawing/2010/main" w="9525">
                   <a:solidFill>
                     <a:srgbClr val="000000"/>
                   </a:solidFill>
@@ -602,7 +605,7 @@
             </a:ln>
             <a:extLst>
               <a:ext uri="{91240B29-F687-4f45-9708-019B960494DF}">
-                <a14:hiddenLine xmlns:a14="http://schemas.microsoft.com/office/drawing/2010/main" xmlns="" w="9525">
+                <a14:hiddenLine xmlns="" xmlns:a14="http://schemas.microsoft.com/office/drawing/2010/main" w="9525">
                   <a:solidFill>
                     <a:srgbClr val="000000"/>
                   </a:solidFill>
@@ -664,7 +667,7 @@
             </a:ln>
             <a:extLst>
               <a:ext uri="{91240B29-F687-4f45-9708-019B960494DF}">
-                <a14:hiddenLine xmlns:a14="http://schemas.microsoft.com/office/drawing/2010/main" xmlns="" w="9525">
+                <a14:hiddenLine xmlns="" xmlns:a14="http://schemas.microsoft.com/office/drawing/2010/main" w="9525">
                   <a:solidFill>
                     <a:srgbClr val="000000"/>
                   </a:solidFill>
@@ -754,7 +757,7 @@
             </a:ln>
             <a:extLst>
               <a:ext uri="{91240B29-F687-4f45-9708-019B960494DF}">
-                <a14:hiddenLine xmlns:a14="http://schemas.microsoft.com/office/drawing/2010/main" xmlns="" w="9525">
+                <a14:hiddenLine xmlns="" xmlns:a14="http://schemas.microsoft.com/office/drawing/2010/main" w="9525">
                   <a:solidFill>
                     <a:srgbClr val="000000"/>
                   </a:solidFill>
@@ -816,7 +819,7 @@
             </a:ln>
             <a:extLst>
               <a:ext uri="{91240B29-F687-4f45-9708-019B960494DF}">
-                <a14:hiddenLine xmlns:a14="http://schemas.microsoft.com/office/drawing/2010/main" xmlns="" w="9525">
+                <a14:hiddenLine xmlns="" xmlns:a14="http://schemas.microsoft.com/office/drawing/2010/main" w="9525">
                   <a:solidFill>
                     <a:srgbClr val="000000"/>
                   </a:solidFill>
@@ -878,7 +881,7 @@
             </a:ln>
             <a:extLst>
               <a:ext uri="{91240B29-F687-4f45-9708-019B960494DF}">
-                <a14:hiddenLine xmlns:a14="http://schemas.microsoft.com/office/drawing/2010/main" xmlns="" w="9525">
+                <a14:hiddenLine xmlns="" xmlns:a14="http://schemas.microsoft.com/office/drawing/2010/main" w="9525">
                   <a:solidFill>
                     <a:srgbClr val="000000"/>
                   </a:solidFill>
@@ -968,7 +971,7 @@
             </a:ln>
             <a:extLst>
               <a:ext uri="{91240B29-F687-4f45-9708-019B960494DF}">
-                <a14:hiddenLine xmlns:a14="http://schemas.microsoft.com/office/drawing/2010/main" xmlns="" w="9525">
+                <a14:hiddenLine xmlns="" xmlns:a14="http://schemas.microsoft.com/office/drawing/2010/main" w="9525">
                   <a:solidFill>
                     <a:srgbClr val="000000"/>
                   </a:solidFill>
@@ -1058,7 +1061,7 @@
             </a:ln>
             <a:extLst>
               <a:ext uri="{91240B29-F687-4f45-9708-019B960494DF}">
-                <a14:hiddenLine xmlns:a14="http://schemas.microsoft.com/office/drawing/2010/main" xmlns="" w="9525">
+                <a14:hiddenLine xmlns="" xmlns:a14="http://schemas.microsoft.com/office/drawing/2010/main" w="9525">
                   <a:solidFill>
                     <a:srgbClr val="000000"/>
                   </a:solidFill>
@@ -1120,7 +1123,7 @@
             </a:ln>
             <a:extLst>
               <a:ext uri="{91240B29-F687-4f45-9708-019B960494DF}">
-                <a14:hiddenLine xmlns:a14="http://schemas.microsoft.com/office/drawing/2010/main" xmlns="" w="9525">
+                <a14:hiddenLine xmlns="" xmlns:a14="http://schemas.microsoft.com/office/drawing/2010/main" w="9525">
                   <a:solidFill>
                     <a:srgbClr val="000000"/>
                   </a:solidFill>
@@ -1230,7 +1233,7 @@
             </a:ln>
             <a:extLst>
               <a:ext uri="{91240B29-F687-4f45-9708-019B960494DF}">
-                <a14:hiddenLine xmlns:a14="http://schemas.microsoft.com/office/drawing/2010/main" xmlns="" w="9525">
+                <a14:hiddenLine xmlns="" xmlns:a14="http://schemas.microsoft.com/office/drawing/2010/main" w="9525">
                   <a:solidFill>
                     <a:srgbClr val="000000"/>
                   </a:solidFill>
@@ -1292,7 +1295,7 @@
             </a:ln>
             <a:extLst>
               <a:ext uri="{91240B29-F687-4f45-9708-019B960494DF}">
-                <a14:hiddenLine xmlns:a14="http://schemas.microsoft.com/office/drawing/2010/main" xmlns="" w="9525">
+                <a14:hiddenLine xmlns="" xmlns:a14="http://schemas.microsoft.com/office/drawing/2010/main" w="9525">
                   <a:solidFill>
                     <a:srgbClr val="000000"/>
                   </a:solidFill>
@@ -1382,7 +1385,7 @@
             </a:ln>
             <a:extLst>
               <a:ext uri="{91240B29-F687-4f45-9708-019B960494DF}">
-                <a14:hiddenLine xmlns:a14="http://schemas.microsoft.com/office/drawing/2010/main" xmlns="" w="9525">
+                <a14:hiddenLine xmlns="" xmlns:a14="http://schemas.microsoft.com/office/drawing/2010/main" w="9525">
                   <a:solidFill>
                     <a:srgbClr val="000000"/>
                   </a:solidFill>
@@ -1472,7 +1475,7 @@
             </a:ln>
             <a:extLst>
               <a:ext uri="{91240B29-F687-4f45-9708-019B960494DF}">
-                <a14:hiddenLine xmlns:a14="http://schemas.microsoft.com/office/drawing/2010/main" xmlns="" w="9525">
+                <a14:hiddenLine xmlns="" xmlns:a14="http://schemas.microsoft.com/office/drawing/2010/main" w="9525">
                   <a:solidFill>
                     <a:srgbClr val="000000"/>
                   </a:solidFill>
@@ -1534,7 +1537,7 @@
             </a:ln>
             <a:extLst>
               <a:ext uri="{91240B29-F687-4f45-9708-019B960494DF}">
-                <a14:hiddenLine xmlns:a14="http://schemas.microsoft.com/office/drawing/2010/main" xmlns="" w="9525">
+                <a14:hiddenLine xmlns="" xmlns:a14="http://schemas.microsoft.com/office/drawing/2010/main" w="9525">
                   <a:solidFill>
                     <a:srgbClr val="000000"/>
                   </a:solidFill>
@@ -1624,7 +1627,7 @@
             </a:ln>
             <a:extLst>
               <a:ext uri="{91240B29-F687-4f45-9708-019B960494DF}">
-                <a14:hiddenLine xmlns:a14="http://schemas.microsoft.com/office/drawing/2010/main" xmlns="" w="9525">
+                <a14:hiddenLine xmlns="" xmlns:a14="http://schemas.microsoft.com/office/drawing/2010/main" w="9525">
                   <a:solidFill>
                     <a:srgbClr val="000000"/>
                   </a:solidFill>
@@ -1714,7 +1717,7 @@
             </a:ln>
             <a:extLst>
               <a:ext uri="{91240B29-F687-4f45-9708-019B960494DF}">
-                <a14:hiddenLine xmlns:a14="http://schemas.microsoft.com/office/drawing/2010/main" xmlns="" w="9525">
+                <a14:hiddenLine xmlns="" xmlns:a14="http://schemas.microsoft.com/office/drawing/2010/main" w="9525">
                   <a:solidFill>
                     <a:srgbClr val="000000"/>
                   </a:solidFill>
@@ -1770,7 +1773,7 @@
             </a:ln>
             <a:extLst>
               <a:ext uri="{91240B29-F687-4f45-9708-019B960494DF}">
-                <a14:hiddenLine xmlns:a14="http://schemas.microsoft.com/office/drawing/2010/main" xmlns="" w="9525">
+                <a14:hiddenLine xmlns="" xmlns:a14="http://schemas.microsoft.com/office/drawing/2010/main" w="9525">
                   <a:solidFill>
                     <a:srgbClr val="000000"/>
                   </a:solidFill>
@@ -1860,7 +1863,7 @@
             </a:ln>
             <a:extLst>
               <a:ext uri="{91240B29-F687-4f45-9708-019B960494DF}">
-                <a14:hiddenLine xmlns:a14="http://schemas.microsoft.com/office/drawing/2010/main" xmlns="" w="9525">
+                <a14:hiddenLine xmlns="" xmlns:a14="http://schemas.microsoft.com/office/drawing/2010/main" w="9525">
                   <a:solidFill>
                     <a:srgbClr val="000000"/>
                   </a:solidFill>
@@ -1916,7 +1919,7 @@
             </a:ln>
             <a:extLst>
               <a:ext uri="{91240B29-F687-4f45-9708-019B960494DF}">
-                <a14:hiddenLine xmlns:a14="http://schemas.microsoft.com/office/drawing/2010/main" xmlns="" w="9525">
+                <a14:hiddenLine xmlns="" xmlns:a14="http://schemas.microsoft.com/office/drawing/2010/main" w="9525">
                   <a:solidFill>
                     <a:srgbClr val="000000"/>
                   </a:solidFill>
@@ -2006,7 +2009,7 @@
             </a:ln>
             <a:extLst>
               <a:ext uri="{91240B29-F687-4f45-9708-019B960494DF}">
-                <a14:hiddenLine xmlns:a14="http://schemas.microsoft.com/office/drawing/2010/main" xmlns="" w="9525">
+                <a14:hiddenLine xmlns="" xmlns:a14="http://schemas.microsoft.com/office/drawing/2010/main" w="9525">
                   <a:solidFill>
                     <a:srgbClr val="000000"/>
                   </a:solidFill>
@@ -2074,7 +2077,7 @@
             </a:ln>
             <a:extLst>
               <a:ext uri="{91240B29-F687-4f45-9708-019B960494DF}">
-                <a14:hiddenLine xmlns:a14="http://schemas.microsoft.com/office/drawing/2010/main" xmlns="" w="9525">
+                <a14:hiddenLine xmlns="" xmlns:a14="http://schemas.microsoft.com/office/drawing/2010/main" w="9525">
                   <a:solidFill>
                     <a:srgbClr val="000000"/>
                   </a:solidFill>
@@ -2164,7 +2167,7 @@
             </a:ln>
             <a:extLst>
               <a:ext uri="{91240B29-F687-4f45-9708-019B960494DF}">
-                <a14:hiddenLine xmlns:a14="http://schemas.microsoft.com/office/drawing/2010/main" xmlns="" w="9525">
+                <a14:hiddenLine xmlns="" xmlns:a14="http://schemas.microsoft.com/office/drawing/2010/main" w="9525">
                   <a:solidFill>
                     <a:srgbClr val="000000"/>
                   </a:solidFill>
@@ -2232,7 +2235,7 @@
             </a:ln>
             <a:extLst>
               <a:ext uri="{91240B29-F687-4f45-9708-019B960494DF}">
-                <a14:hiddenLine xmlns:a14="http://schemas.microsoft.com/office/drawing/2010/main" xmlns="" w="9525">
+                <a14:hiddenLine xmlns="" xmlns:a14="http://schemas.microsoft.com/office/drawing/2010/main" w="9525">
                   <a:solidFill>
                     <a:srgbClr val="000000"/>
                   </a:solidFill>
@@ -2322,7 +2325,7 @@
             </a:ln>
             <a:extLst>
               <a:ext uri="{91240B29-F687-4f45-9708-019B960494DF}">
-                <a14:hiddenLine xmlns:a14="http://schemas.microsoft.com/office/drawing/2010/main" xmlns="" w="9525">
+                <a14:hiddenLine xmlns="" xmlns:a14="http://schemas.microsoft.com/office/drawing/2010/main" w="9525">
                   <a:solidFill>
                     <a:srgbClr val="000000"/>
                   </a:solidFill>
@@ -2356,7 +2359,7 @@
             </a:ln>
             <a:extLst>
               <a:ext uri="{91240B29-F687-4f45-9708-019B960494DF}">
-                <a14:hiddenLine xmlns:a14="http://schemas.microsoft.com/office/drawing/2010/main" xmlns="" w="9525">
+                <a14:hiddenLine xmlns="" xmlns:a14="http://schemas.microsoft.com/office/drawing/2010/main" w="9525">
                   <a:solidFill>
                     <a:srgbClr val="000000"/>
                   </a:solidFill>
@@ -2446,7 +2449,7 @@
             </a:ln>
             <a:extLst>
               <a:ext uri="{91240B29-F687-4f45-9708-019B960494DF}">
-                <a14:hiddenLine xmlns:a14="http://schemas.microsoft.com/office/drawing/2010/main" xmlns="" w="9525">
+                <a14:hiddenLine xmlns="" xmlns:a14="http://schemas.microsoft.com/office/drawing/2010/main" w="9525">
                   <a:solidFill>
                     <a:srgbClr val="000000"/>
                   </a:solidFill>
@@ -2508,7 +2511,7 @@
             </a:ln>
             <a:extLst>
               <a:ext uri="{91240B29-F687-4f45-9708-019B960494DF}">
-                <a14:hiddenLine xmlns:a14="http://schemas.microsoft.com/office/drawing/2010/main" xmlns="" w="9525">
+                <a14:hiddenLine xmlns="" xmlns:a14="http://schemas.microsoft.com/office/drawing/2010/main" w="9525">
                   <a:solidFill>
                     <a:srgbClr val="000000"/>
                   </a:solidFill>
@@ -2570,7 +2573,7 @@
             </a:ln>
             <a:extLst>
               <a:ext uri="{91240B29-F687-4f45-9708-019B960494DF}">
-                <a14:hiddenLine xmlns:a14="http://schemas.microsoft.com/office/drawing/2010/main" xmlns="" w="9525">
+                <a14:hiddenLine xmlns="" xmlns:a14="http://schemas.microsoft.com/office/drawing/2010/main" w="9525">
                   <a:solidFill>
                     <a:srgbClr val="000000"/>
                   </a:solidFill>
@@ -2660,7 +2663,7 @@
             </a:ln>
             <a:extLst>
               <a:ext uri="{91240B29-F687-4f45-9708-019B960494DF}">
-                <a14:hiddenLine xmlns:a14="http://schemas.microsoft.com/office/drawing/2010/main" xmlns="" w="9525">
+                <a14:hiddenLine xmlns="" xmlns:a14="http://schemas.microsoft.com/office/drawing/2010/main" w="9525">
                   <a:solidFill>
                     <a:srgbClr val="000000"/>
                   </a:solidFill>
@@ -2728,7 +2731,7 @@
             </a:ln>
             <a:extLst>
               <a:ext uri="{91240B29-F687-4f45-9708-019B960494DF}">
-                <a14:hiddenLine xmlns:a14="http://schemas.microsoft.com/office/drawing/2010/main" xmlns="" w="9525">
+                <a14:hiddenLine xmlns="" xmlns:a14="http://schemas.microsoft.com/office/drawing/2010/main" w="9525">
                   <a:solidFill>
                     <a:srgbClr val="000000"/>
                   </a:solidFill>
@@ -2790,7 +2793,7 @@
             </a:ln>
             <a:extLst>
               <a:ext uri="{91240B29-F687-4f45-9708-019B960494DF}">
-                <a14:hiddenLine xmlns:a14="http://schemas.microsoft.com/office/drawing/2010/main" xmlns="" w="9525">
+                <a14:hiddenLine xmlns="" xmlns:a14="http://schemas.microsoft.com/office/drawing/2010/main" w="9525">
                   <a:solidFill>
                     <a:srgbClr val="000000"/>
                   </a:solidFill>
@@ -2880,7 +2883,7 @@
             </a:ln>
             <a:extLst>
               <a:ext uri="{91240B29-F687-4f45-9708-019B960494DF}">
-                <a14:hiddenLine xmlns:a14="http://schemas.microsoft.com/office/drawing/2010/main" xmlns="" w="9525">
+                <a14:hiddenLine xmlns="" xmlns:a14="http://schemas.microsoft.com/office/drawing/2010/main" w="9525">
                   <a:solidFill>
                     <a:srgbClr val="000000"/>
                   </a:solidFill>
@@ -2942,7 +2945,7 @@
             </a:ln>
             <a:extLst>
               <a:ext uri="{91240B29-F687-4f45-9708-019B960494DF}">
-                <a14:hiddenLine xmlns:a14="http://schemas.microsoft.com/office/drawing/2010/main" xmlns="" w="9525">
+                <a14:hiddenLine xmlns="" xmlns:a14="http://schemas.microsoft.com/office/drawing/2010/main" w="9525">
                   <a:solidFill>
                     <a:srgbClr val="000000"/>
                   </a:solidFill>
@@ -3032,7 +3035,7 @@
             </a:ln>
             <a:extLst>
               <a:ext uri="{91240B29-F687-4f45-9708-019B960494DF}">
-                <a14:hiddenLine xmlns:a14="http://schemas.microsoft.com/office/drawing/2010/main" xmlns="" w="9525">
+                <a14:hiddenLine xmlns="" xmlns:a14="http://schemas.microsoft.com/office/drawing/2010/main" w="9525">
                   <a:solidFill>
                     <a:srgbClr val="000000"/>
                   </a:solidFill>
@@ -3094,7 +3097,7 @@
             </a:ln>
             <a:extLst>
               <a:ext uri="{91240B29-F687-4f45-9708-019B960494DF}">
-                <a14:hiddenLine xmlns:a14="http://schemas.microsoft.com/office/drawing/2010/main" xmlns="" w="9525">
+                <a14:hiddenLine xmlns="" xmlns:a14="http://schemas.microsoft.com/office/drawing/2010/main" w="9525">
                   <a:solidFill>
                     <a:srgbClr val="000000"/>
                   </a:solidFill>
@@ -3184,7 +3187,7 @@
             </a:ln>
             <a:extLst>
               <a:ext uri="{91240B29-F687-4f45-9708-019B960494DF}">
-                <a14:hiddenLine xmlns:a14="http://schemas.microsoft.com/office/drawing/2010/main" xmlns="" w="9525">
+                <a14:hiddenLine xmlns="" xmlns:a14="http://schemas.microsoft.com/office/drawing/2010/main" w="9525">
                   <a:solidFill>
                     <a:srgbClr val="000000"/>
                   </a:solidFill>
@@ -3218,7 +3221,7 @@
             </a:ln>
             <a:extLst>
               <a:ext uri="{91240B29-F687-4f45-9708-019B960494DF}">
-                <a14:hiddenLine xmlns:a14="http://schemas.microsoft.com/office/drawing/2010/main" xmlns="" w="9525">
+                <a14:hiddenLine xmlns="" xmlns:a14="http://schemas.microsoft.com/office/drawing/2010/main" w="9525">
                   <a:solidFill>
                     <a:srgbClr val="000000"/>
                   </a:solidFill>
@@ -3283,7 +3286,7 @@
             </a:ln>
             <a:extLst>
               <a:ext uri="{91240B29-F687-4f45-9708-019B960494DF}">
-                <a14:hiddenLine xmlns:a14="http://schemas.microsoft.com/office/drawing/2010/main" xmlns="" w="9525">
+                <a14:hiddenLine xmlns="" xmlns:a14="http://schemas.microsoft.com/office/drawing/2010/main" w="9525">
                   <a:solidFill>
                     <a:srgbClr val="000000"/>
                   </a:solidFill>
@@ -3373,7 +3376,7 @@
             </a:ln>
             <a:extLst>
               <a:ext uri="{91240B29-F687-4f45-9708-019B960494DF}">
-                <a14:hiddenLine xmlns:a14="http://schemas.microsoft.com/office/drawing/2010/main" xmlns="" w="9525">
+                <a14:hiddenLine xmlns="" xmlns:a14="http://schemas.microsoft.com/office/drawing/2010/main" w="9525">
                   <a:solidFill>
                     <a:srgbClr val="000000"/>
                   </a:solidFill>
@@ -3435,7 +3438,7 @@
             </a:ln>
             <a:extLst>
               <a:ext uri="{91240B29-F687-4f45-9708-019B960494DF}">
-                <a14:hiddenLine xmlns:a14="http://schemas.microsoft.com/office/drawing/2010/main" xmlns="" w="9525">
+                <a14:hiddenLine xmlns="" xmlns:a14="http://schemas.microsoft.com/office/drawing/2010/main" w="9525">
                   <a:solidFill>
                     <a:srgbClr val="000000"/>
                   </a:solidFill>
@@ -3525,7 +3528,7 @@
             </a:ln>
             <a:extLst>
               <a:ext uri="{91240B29-F687-4f45-9708-019B960494DF}">
-                <a14:hiddenLine xmlns:a14="http://schemas.microsoft.com/office/drawing/2010/main" xmlns="" w="9525">
+                <a14:hiddenLine xmlns="" xmlns:a14="http://schemas.microsoft.com/office/drawing/2010/main" w="9525">
                   <a:solidFill>
                     <a:srgbClr val="000000"/>
                   </a:solidFill>
@@ -3615,7 +3618,7 @@
             </a:ln>
             <a:extLst>
               <a:ext uri="{91240B29-F687-4f45-9708-019B960494DF}">
-                <a14:hiddenLine xmlns:a14="http://schemas.microsoft.com/office/drawing/2010/main" xmlns="" w="9525">
+                <a14:hiddenLine xmlns="" xmlns:a14="http://schemas.microsoft.com/office/drawing/2010/main" w="9525">
                   <a:solidFill>
                     <a:srgbClr val="000000"/>
                   </a:solidFill>
@@ -3680,7 +3683,7 @@
             </a:ln>
             <a:extLst>
               <a:ext uri="{91240B29-F687-4f45-9708-019B960494DF}">
-                <a14:hiddenLine xmlns:a14="http://schemas.microsoft.com/office/drawing/2010/main" xmlns="" w="9525">
+                <a14:hiddenLine xmlns="" xmlns:a14="http://schemas.microsoft.com/office/drawing/2010/main" w="9525">
                   <a:solidFill>
                     <a:srgbClr val="000000"/>
                   </a:solidFill>
@@ -3742,7 +3745,7 @@
             </a:ln>
             <a:extLst>
               <a:ext uri="{91240B29-F687-4f45-9708-019B960494DF}">
-                <a14:hiddenLine xmlns:a14="http://schemas.microsoft.com/office/drawing/2010/main" xmlns="" w="9525">
+                <a14:hiddenLine xmlns="" xmlns:a14="http://schemas.microsoft.com/office/drawing/2010/main" w="9525">
                   <a:solidFill>
                     <a:srgbClr val="000000"/>
                   </a:solidFill>
@@ -3832,7 +3835,7 @@
             </a:ln>
             <a:extLst>
               <a:ext uri="{91240B29-F687-4f45-9708-019B960494DF}">
-                <a14:hiddenLine xmlns:a14="http://schemas.microsoft.com/office/drawing/2010/main" xmlns="" w="9525">
+                <a14:hiddenLine xmlns="" xmlns:a14="http://schemas.microsoft.com/office/drawing/2010/main" w="9525">
                   <a:solidFill>
                     <a:srgbClr val="000000"/>
                   </a:solidFill>
@@ -3922,7 +3925,7 @@
             </a:ln>
             <a:extLst>
               <a:ext uri="{91240B29-F687-4f45-9708-019B960494DF}">
-                <a14:hiddenLine xmlns:a14="http://schemas.microsoft.com/office/drawing/2010/main" xmlns="" w="9525">
+                <a14:hiddenLine xmlns="" xmlns:a14="http://schemas.microsoft.com/office/drawing/2010/main" w="9525">
                   <a:solidFill>
                     <a:srgbClr val="000000"/>
                   </a:solidFill>
@@ -3984,7 +3987,7 @@
             </a:ln>
             <a:extLst>
               <a:ext uri="{91240B29-F687-4f45-9708-019B960494DF}">
-                <a14:hiddenLine xmlns:a14="http://schemas.microsoft.com/office/drawing/2010/main" xmlns="" w="9525">
+                <a14:hiddenLine xmlns="" xmlns:a14="http://schemas.microsoft.com/office/drawing/2010/main" w="9525">
                   <a:solidFill>
                     <a:srgbClr val="000000"/>
                   </a:solidFill>
@@ -4104,7 +4107,7 @@
             </a:ln>
             <a:extLst>
               <a:ext uri="{91240B29-F687-4f45-9708-019B960494DF}">
-                <a14:hiddenLine xmlns:a14="http://schemas.microsoft.com/office/drawing/2010/main" xmlns="" w="9525">
+                <a14:hiddenLine xmlns="" xmlns:a14="http://schemas.microsoft.com/office/drawing/2010/main" w="9525">
                   <a:solidFill>
                     <a:srgbClr val="000000"/>
                   </a:solidFill>
@@ -4172,7 +4175,7 @@
             </a:ln>
             <a:extLst>
               <a:ext uri="{91240B29-F687-4f45-9708-019B960494DF}">
-                <a14:hiddenLine xmlns:a14="http://schemas.microsoft.com/office/drawing/2010/main" xmlns="" w="9525">
+                <a14:hiddenLine xmlns="" xmlns:a14="http://schemas.microsoft.com/office/drawing/2010/main" w="9525">
                   <a:solidFill>
                     <a:srgbClr val="000000"/>
                   </a:solidFill>
@@ -4262,7 +4265,7 @@
             </a:ln>
             <a:extLst>
               <a:ext uri="{91240B29-F687-4f45-9708-019B960494DF}">
-                <a14:hiddenLine xmlns:a14="http://schemas.microsoft.com/office/drawing/2010/main" xmlns="" w="9525">
+                <a14:hiddenLine xmlns="" xmlns:a14="http://schemas.microsoft.com/office/drawing/2010/main" w="9525">
                   <a:solidFill>
                     <a:srgbClr val="000000"/>
                   </a:solidFill>
@@ -4403,7 +4406,7 @@
             <a:fld id="{A5B0A250-5CC0-1746-B209-08E8B0DAE6AF}" type="datetimeFigureOut">
               <a:rPr lang="en-US" smtClean="0"/>
               <a:pPr/>
-              <a:t>8/27/2023</a:t>
+              <a:t>10/6/2023</a:t>
             </a:fld>
             <a:endParaRPr lang="en-US" dirty="0"/>
           </a:p>
@@ -4672,7 +4675,7 @@
             <a:fld id="{A5B0A250-5CC0-1746-B209-08E8B0DAE6AF}" type="datetimeFigureOut">
               <a:rPr lang="en-US" smtClean="0"/>
               <a:pPr/>
-              <a:t>8/27/2023</a:t>
+              <a:t>10/6/2023</a:t>
             </a:fld>
             <a:endParaRPr lang="en-US" dirty="0"/>
           </a:p>
@@ -4870,7 +4873,7 @@
             <a:fld id="{A5B0A250-5CC0-1746-B209-08E8B0DAE6AF}" type="datetimeFigureOut">
               <a:rPr lang="en-US" smtClean="0"/>
               <a:pPr/>
-              <a:t>8/27/2023</a:t>
+              <a:t>10/6/2023</a:t>
             </a:fld>
             <a:endParaRPr lang="en-US" dirty="0"/>
           </a:p>
@@ -5135,7 +5138,7 @@
             <a:fld id="{A5B0A250-5CC0-1746-B209-08E8B0DAE6AF}" type="datetimeFigureOut">
               <a:rPr lang="en-US" smtClean="0"/>
               <a:pPr/>
-              <a:t>8/27/2023</a:t>
+              <a:t>10/6/2023</a:t>
             </a:fld>
             <a:endParaRPr lang="en-US" dirty="0"/>
           </a:p>
@@ -5571,7 +5574,7 @@
             <a:fld id="{A5B0A250-5CC0-1746-B209-08E8B0DAE6AF}" type="datetimeFigureOut">
               <a:rPr lang="en-US" smtClean="0"/>
               <a:pPr/>
-              <a:t>8/27/2023</a:t>
+              <a:t>10/6/2023</a:t>
             </a:fld>
             <a:endParaRPr lang="en-US" dirty="0"/>
           </a:p>
@@ -6119,7 +6122,7 @@
             <a:fld id="{A5B0A250-5CC0-1746-B209-08E8B0DAE6AF}" type="datetimeFigureOut">
               <a:rPr lang="en-US" smtClean="0"/>
               <a:pPr/>
-              <a:t>8/27/2023</a:t>
+              <a:t>10/6/2023</a:t>
             </a:fld>
             <a:endParaRPr lang="en-US" dirty="0"/>
           </a:p>
@@ -6841,7 +6844,7 @@
             <a:fld id="{A5B0A250-5CC0-1746-B209-08E8B0DAE6AF}" type="datetimeFigureOut">
               <a:rPr lang="en-US" smtClean="0"/>
               <a:pPr/>
-              <a:t>8/27/2023</a:t>
+              <a:t>10/6/2023</a:t>
             </a:fld>
             <a:endParaRPr lang="en-US" dirty="0"/>
           </a:p>
@@ -7013,7 +7016,7 @@
             <a:fld id="{A5B0A250-5CC0-1746-B209-08E8B0DAE6AF}" type="datetimeFigureOut">
               <a:rPr lang="en-US" smtClean="0"/>
               <a:pPr/>
-              <a:t>8/27/2023</a:t>
+              <a:t>10/6/2023</a:t>
             </a:fld>
             <a:endParaRPr lang="en-US" dirty="0"/>
           </a:p>
@@ -7195,7 +7198,7 @@
             <a:fld id="{A5B0A250-5CC0-1746-B209-08E8B0DAE6AF}" type="datetimeFigureOut">
               <a:rPr lang="en-US" smtClean="0"/>
               <a:pPr/>
-              <a:t>8/27/2023</a:t>
+              <a:t>10/6/2023</a:t>
             </a:fld>
             <a:endParaRPr lang="en-US" dirty="0"/>
           </a:p>
@@ -7367,7 +7370,7 @@
             <a:fld id="{A5B0A250-5CC0-1746-B209-08E8B0DAE6AF}" type="datetimeFigureOut">
               <a:rPr lang="en-US" smtClean="0"/>
               <a:pPr/>
-              <a:t>8/27/2023</a:t>
+              <a:t>10/6/2023</a:t>
             </a:fld>
             <a:endParaRPr lang="en-US" dirty="0"/>
           </a:p>
@@ -7619,7 +7622,7 @@
             <a:fld id="{A5B0A250-5CC0-1746-B209-08E8B0DAE6AF}" type="datetimeFigureOut">
               <a:rPr lang="en-US" smtClean="0"/>
               <a:pPr/>
-              <a:t>8/27/2023</a:t>
+              <a:t>10/6/2023</a:t>
             </a:fld>
             <a:endParaRPr lang="en-US" dirty="0"/>
           </a:p>
@@ -7853,7 +7856,7 @@
             <a:fld id="{A5B0A250-5CC0-1746-B209-08E8B0DAE6AF}" type="datetimeFigureOut">
               <a:rPr lang="en-US" smtClean="0"/>
               <a:pPr/>
-              <a:t>8/27/2023</a:t>
+              <a:t>10/6/2023</a:t>
             </a:fld>
             <a:endParaRPr lang="en-US" dirty="0"/>
           </a:p>
@@ -8236,7 +8239,7 @@
             <a:fld id="{A5B0A250-5CC0-1746-B209-08E8B0DAE6AF}" type="datetimeFigureOut">
               <a:rPr lang="en-US" smtClean="0"/>
               <a:pPr/>
-              <a:t>8/27/2023</a:t>
+              <a:t>10/6/2023</a:t>
             </a:fld>
             <a:endParaRPr lang="en-US" dirty="0"/>
           </a:p>
@@ -8356,7 +8359,7 @@
             <a:fld id="{A5B0A250-5CC0-1746-B209-08E8B0DAE6AF}" type="datetimeFigureOut">
               <a:rPr lang="en-US" smtClean="0"/>
               <a:pPr/>
-              <a:t>8/27/2023</a:t>
+              <a:t>10/6/2023</a:t>
             </a:fld>
             <a:endParaRPr lang="en-US" dirty="0"/>
           </a:p>
@@ -8453,7 +8456,7 @@
             <a:fld id="{A5B0A250-5CC0-1746-B209-08E8B0DAE6AF}" type="datetimeFigureOut">
               <a:rPr lang="en-US" smtClean="0"/>
               <a:pPr/>
-              <a:t>8/27/2023</a:t>
+              <a:t>10/6/2023</a:t>
             </a:fld>
             <a:endParaRPr lang="en-US" dirty="0"/>
           </a:p>
@@ -8704,7 +8707,7 @@
             <a:fld id="{A5B0A250-5CC0-1746-B209-08E8B0DAE6AF}" type="datetimeFigureOut">
               <a:rPr lang="en-US" smtClean="0"/>
               <a:pPr/>
-              <a:t>8/27/2023</a:t>
+              <a:t>10/6/2023</a:t>
             </a:fld>
             <a:endParaRPr lang="en-US" dirty="0"/>
           </a:p>
@@ -8986,7 +8989,7 @@
             <a:fld id="{A5B0A250-5CC0-1746-B209-08E8B0DAE6AF}" type="datetimeFigureOut">
               <a:rPr lang="en-US" smtClean="0"/>
               <a:pPr/>
-              <a:t>8/27/2023</a:t>
+              <a:t>10/6/2023</a:t>
             </a:fld>
             <a:endParaRPr lang="en-US" dirty="0"/>
           </a:p>
@@ -9103,7 +9106,7 @@
           <a:noFill/>
           <a:extLst>
             <a:ext uri="{909E8E84-426E-40dd-AFC4-6F175D3DCCD1}">
-              <a14:hiddenFill xmlns:a14="http://schemas.microsoft.com/office/drawing/2010/main" xmlns="">
+              <a14:hiddenFill xmlns="" xmlns:a14="http://schemas.microsoft.com/office/drawing/2010/main">
                 <a:solidFill>
                   <a:srgbClr val="FFFFFF"/>
                 </a:solidFill>
@@ -9177,7 +9180,7 @@
               </a:ln>
               <a:extLst>
                 <a:ext uri="{91240B29-F687-4f45-9708-019B960494DF}">
-                  <a14:hiddenLine xmlns:a14="http://schemas.microsoft.com/office/drawing/2010/main" xmlns="" w="9525">
+                  <a14:hiddenLine xmlns="" xmlns:a14="http://schemas.microsoft.com/office/drawing/2010/main" w="9525">
                     <a:solidFill>
                       <a:srgbClr val="000000"/>
                     </a:solidFill>
@@ -9267,7 +9270,7 @@
               </a:ln>
               <a:extLst>
                 <a:ext uri="{91240B29-F687-4f45-9708-019B960494DF}">
-                  <a14:hiddenLine xmlns:a14="http://schemas.microsoft.com/office/drawing/2010/main" xmlns="" w="9525">
+                  <a14:hiddenLine xmlns="" xmlns:a14="http://schemas.microsoft.com/office/drawing/2010/main" w="9525">
                     <a:solidFill>
                       <a:srgbClr val="000000"/>
                     </a:solidFill>
@@ -9357,7 +9360,7 @@
               </a:ln>
               <a:extLst>
                 <a:ext uri="{91240B29-F687-4f45-9708-019B960494DF}">
-                  <a14:hiddenLine xmlns:a14="http://schemas.microsoft.com/office/drawing/2010/main" xmlns="" w="9525">
+                  <a14:hiddenLine xmlns="" xmlns:a14="http://schemas.microsoft.com/office/drawing/2010/main" w="9525">
                     <a:solidFill>
                       <a:srgbClr val="000000"/>
                     </a:solidFill>
@@ -9419,7 +9422,7 @@
               </a:ln>
               <a:extLst>
                 <a:ext uri="{91240B29-F687-4f45-9708-019B960494DF}">
-                  <a14:hiddenLine xmlns:a14="http://schemas.microsoft.com/office/drawing/2010/main" xmlns="" w="9525">
+                  <a14:hiddenLine xmlns="" xmlns:a14="http://schemas.microsoft.com/office/drawing/2010/main" w="9525">
                     <a:solidFill>
                       <a:srgbClr val="000000"/>
                     </a:solidFill>
@@ -9509,7 +9512,7 @@
               </a:ln>
               <a:extLst>
                 <a:ext uri="{91240B29-F687-4f45-9708-019B960494DF}">
-                  <a14:hiddenLine xmlns:a14="http://schemas.microsoft.com/office/drawing/2010/main" xmlns="" w="9525">
+                  <a14:hiddenLine xmlns="" xmlns:a14="http://schemas.microsoft.com/office/drawing/2010/main" w="9525">
                     <a:solidFill>
                       <a:srgbClr val="000000"/>
                     </a:solidFill>
@@ -9571,7 +9574,7 @@
               </a:ln>
               <a:extLst>
                 <a:ext uri="{91240B29-F687-4f45-9708-019B960494DF}">
-                  <a14:hiddenLine xmlns:a14="http://schemas.microsoft.com/office/drawing/2010/main" xmlns="" w="9525">
+                  <a14:hiddenLine xmlns="" xmlns:a14="http://schemas.microsoft.com/office/drawing/2010/main" w="9525">
                     <a:solidFill>
                       <a:srgbClr val="000000"/>
                     </a:solidFill>
@@ -9633,7 +9636,7 @@
               </a:ln>
               <a:extLst>
                 <a:ext uri="{91240B29-F687-4f45-9708-019B960494DF}">
-                  <a14:hiddenLine xmlns:a14="http://schemas.microsoft.com/office/drawing/2010/main" xmlns="" w="9525">
+                  <a14:hiddenLine xmlns="" xmlns:a14="http://schemas.microsoft.com/office/drawing/2010/main" w="9525">
                     <a:solidFill>
                       <a:srgbClr val="000000"/>
                     </a:solidFill>
@@ -9723,7 +9726,7 @@
               </a:ln>
               <a:extLst>
                 <a:ext uri="{91240B29-F687-4f45-9708-019B960494DF}">
-                  <a14:hiddenLine xmlns:a14="http://schemas.microsoft.com/office/drawing/2010/main" xmlns="" w="9525">
+                  <a14:hiddenLine xmlns="" xmlns:a14="http://schemas.microsoft.com/office/drawing/2010/main" w="9525">
                     <a:solidFill>
                       <a:srgbClr val="000000"/>
                     </a:solidFill>
@@ -9813,7 +9816,7 @@
               </a:ln>
               <a:extLst>
                 <a:ext uri="{91240B29-F687-4f45-9708-019B960494DF}">
-                  <a14:hiddenLine xmlns:a14="http://schemas.microsoft.com/office/drawing/2010/main" xmlns="" w="9525">
+                  <a14:hiddenLine xmlns="" xmlns:a14="http://schemas.microsoft.com/office/drawing/2010/main" w="9525">
                     <a:solidFill>
                       <a:srgbClr val="000000"/>
                     </a:solidFill>
@@ -9875,7 +9878,7 @@
               </a:ln>
               <a:extLst>
                 <a:ext uri="{91240B29-F687-4f45-9708-019B960494DF}">
-                  <a14:hiddenLine xmlns:a14="http://schemas.microsoft.com/office/drawing/2010/main" xmlns="" w="9525">
+                  <a14:hiddenLine xmlns="" xmlns:a14="http://schemas.microsoft.com/office/drawing/2010/main" w="9525">
                     <a:solidFill>
                       <a:srgbClr val="000000"/>
                     </a:solidFill>
@@ -9985,7 +9988,7 @@
               </a:ln>
               <a:extLst>
                 <a:ext uri="{91240B29-F687-4f45-9708-019B960494DF}">
-                  <a14:hiddenLine xmlns:a14="http://schemas.microsoft.com/office/drawing/2010/main" xmlns="" w="9525">
+                  <a14:hiddenLine xmlns="" xmlns:a14="http://schemas.microsoft.com/office/drawing/2010/main" w="9525">
                     <a:solidFill>
                       <a:srgbClr val="000000"/>
                     </a:solidFill>
@@ -10069,7 +10072,7 @@
               </a:ln>
               <a:extLst>
                 <a:ext uri="{91240B29-F687-4f45-9708-019B960494DF}">
-                  <a14:hiddenLine xmlns:a14="http://schemas.microsoft.com/office/drawing/2010/main" xmlns="" w="9525">
+                  <a14:hiddenLine xmlns="" xmlns:a14="http://schemas.microsoft.com/office/drawing/2010/main" w="9525">
                     <a:solidFill>
                       <a:srgbClr val="000000"/>
                     </a:solidFill>
@@ -10131,7 +10134,7 @@
               </a:ln>
               <a:extLst>
                 <a:ext uri="{91240B29-F687-4f45-9708-019B960494DF}">
-                  <a14:hiddenLine xmlns:a14="http://schemas.microsoft.com/office/drawing/2010/main" xmlns="" w="9525">
+                  <a14:hiddenLine xmlns="" xmlns:a14="http://schemas.microsoft.com/office/drawing/2010/main" w="9525">
                     <a:solidFill>
                       <a:srgbClr val="000000"/>
                     </a:solidFill>
@@ -10193,7 +10196,7 @@
               </a:ln>
               <a:extLst>
                 <a:ext uri="{91240B29-F687-4f45-9708-019B960494DF}">
-                  <a14:hiddenLine xmlns:a14="http://schemas.microsoft.com/office/drawing/2010/main" xmlns="" w="9525">
+                  <a14:hiddenLine xmlns="" xmlns:a14="http://schemas.microsoft.com/office/drawing/2010/main" w="9525">
                     <a:solidFill>
                       <a:srgbClr val="000000"/>
                     </a:solidFill>
@@ -10283,7 +10286,7 @@
               </a:ln>
               <a:extLst>
                 <a:ext uri="{91240B29-F687-4f45-9708-019B960494DF}">
-                  <a14:hiddenLine xmlns:a14="http://schemas.microsoft.com/office/drawing/2010/main" xmlns="" w="9525">
+                  <a14:hiddenLine xmlns="" xmlns:a14="http://schemas.microsoft.com/office/drawing/2010/main" w="9525">
                     <a:solidFill>
                       <a:srgbClr val="000000"/>
                     </a:solidFill>
@@ -10317,7 +10320,7 @@
               </a:ln>
               <a:extLst>
                 <a:ext uri="{91240B29-F687-4f45-9708-019B960494DF}">
-                  <a14:hiddenLine xmlns:a14="http://schemas.microsoft.com/office/drawing/2010/main" xmlns="" w="9525">
+                  <a14:hiddenLine xmlns="" xmlns:a14="http://schemas.microsoft.com/office/drawing/2010/main" w="9525">
                     <a:solidFill>
                       <a:srgbClr val="000000"/>
                     </a:solidFill>
@@ -10382,7 +10385,7 @@
               </a:ln>
               <a:extLst>
                 <a:ext uri="{91240B29-F687-4f45-9708-019B960494DF}">
-                  <a14:hiddenLine xmlns:a14="http://schemas.microsoft.com/office/drawing/2010/main" xmlns="" w="9525">
+                  <a14:hiddenLine xmlns="" xmlns:a14="http://schemas.microsoft.com/office/drawing/2010/main" w="9525">
                     <a:solidFill>
                       <a:srgbClr val="000000"/>
                     </a:solidFill>
@@ -10472,7 +10475,7 @@
               </a:ln>
               <a:extLst>
                 <a:ext uri="{91240B29-F687-4f45-9708-019B960494DF}">
-                  <a14:hiddenLine xmlns:a14="http://schemas.microsoft.com/office/drawing/2010/main" xmlns="" w="9525">
+                  <a14:hiddenLine xmlns="" xmlns:a14="http://schemas.microsoft.com/office/drawing/2010/main" w="9525">
                     <a:solidFill>
                       <a:srgbClr val="000000"/>
                     </a:solidFill>
@@ -10534,7 +10537,7 @@
               </a:ln>
               <a:extLst>
                 <a:ext uri="{91240B29-F687-4f45-9708-019B960494DF}">
-                  <a14:hiddenLine xmlns:a14="http://schemas.microsoft.com/office/drawing/2010/main" xmlns="" w="9525">
+                  <a14:hiddenLine xmlns="" xmlns:a14="http://schemas.microsoft.com/office/drawing/2010/main" w="9525">
                     <a:solidFill>
                       <a:srgbClr val="000000"/>
                     </a:solidFill>
@@ -10624,7 +10627,7 @@
               </a:ln>
               <a:extLst>
                 <a:ext uri="{91240B29-F687-4f45-9708-019B960494DF}">
-                  <a14:hiddenLine xmlns:a14="http://schemas.microsoft.com/office/drawing/2010/main" xmlns="" w="9525">
+                  <a14:hiddenLine xmlns="" xmlns:a14="http://schemas.microsoft.com/office/drawing/2010/main" w="9525">
                     <a:solidFill>
                       <a:srgbClr val="000000"/>
                     </a:solidFill>
@@ -10689,7 +10692,7 @@
               </a:ln>
               <a:extLst>
                 <a:ext uri="{91240B29-F687-4f45-9708-019B960494DF}">
-                  <a14:hiddenLine xmlns:a14="http://schemas.microsoft.com/office/drawing/2010/main" xmlns="" w="9525">
+                  <a14:hiddenLine xmlns="" xmlns:a14="http://schemas.microsoft.com/office/drawing/2010/main" w="9525">
                     <a:solidFill>
                       <a:srgbClr val="000000"/>
                     </a:solidFill>
@@ -10751,7 +10754,7 @@
               </a:ln>
               <a:extLst>
                 <a:ext uri="{91240B29-F687-4f45-9708-019B960494DF}">
-                  <a14:hiddenLine xmlns:a14="http://schemas.microsoft.com/office/drawing/2010/main" xmlns="" w="9525">
+                  <a14:hiddenLine xmlns="" xmlns:a14="http://schemas.microsoft.com/office/drawing/2010/main" w="9525">
                     <a:solidFill>
                       <a:srgbClr val="000000"/>
                     </a:solidFill>
@@ -10841,7 +10844,7 @@
               </a:ln>
               <a:extLst>
                 <a:ext uri="{91240B29-F687-4f45-9708-019B960494DF}">
-                  <a14:hiddenLine xmlns:a14="http://schemas.microsoft.com/office/drawing/2010/main" xmlns="" w="9525">
+                  <a14:hiddenLine xmlns="" xmlns:a14="http://schemas.microsoft.com/office/drawing/2010/main" w="9525">
                     <a:solidFill>
                       <a:srgbClr val="000000"/>
                     </a:solidFill>
@@ -10931,7 +10934,7 @@
               </a:ln>
               <a:extLst>
                 <a:ext uri="{91240B29-F687-4f45-9708-019B960494DF}">
-                  <a14:hiddenLine xmlns:a14="http://schemas.microsoft.com/office/drawing/2010/main" xmlns="" w="9525">
+                  <a14:hiddenLine xmlns="" xmlns:a14="http://schemas.microsoft.com/office/drawing/2010/main" w="9525">
                     <a:solidFill>
                       <a:srgbClr val="000000"/>
                     </a:solidFill>
@@ -10996,7 +10999,7 @@
               </a:ln>
               <a:extLst>
                 <a:ext uri="{91240B29-F687-4f45-9708-019B960494DF}">
-                  <a14:hiddenLine xmlns:a14="http://schemas.microsoft.com/office/drawing/2010/main" xmlns="" w="9525">
+                  <a14:hiddenLine xmlns="" xmlns:a14="http://schemas.microsoft.com/office/drawing/2010/main" w="9525">
                     <a:solidFill>
                       <a:srgbClr val="000000"/>
                     </a:solidFill>
@@ -11116,7 +11119,7 @@
               </a:ln>
               <a:extLst>
                 <a:ext uri="{91240B29-F687-4f45-9708-019B960494DF}">
-                  <a14:hiddenLine xmlns:a14="http://schemas.microsoft.com/office/drawing/2010/main" xmlns="" w="9525">
+                  <a14:hiddenLine xmlns="" xmlns:a14="http://schemas.microsoft.com/office/drawing/2010/main" w="9525">
                     <a:solidFill>
                       <a:srgbClr val="000000"/>
                     </a:solidFill>
@@ -11214,7 +11217,7 @@
               </a:ln>
               <a:extLst>
                 <a:ext uri="{91240B29-F687-4f45-9708-019B960494DF}">
-                  <a14:hiddenLine xmlns:a14="http://schemas.microsoft.com/office/drawing/2010/main" xmlns="" w="9525">
+                  <a14:hiddenLine xmlns="" xmlns:a14="http://schemas.microsoft.com/office/drawing/2010/main" w="9525">
                     <a:solidFill>
                       <a:srgbClr val="000000"/>
                     </a:solidFill>
@@ -11329,7 +11332,7 @@
               </a:ln>
               <a:extLst>
                 <a:ext uri="{91240B29-F687-4f45-9708-019B960494DF}">
-                  <a14:hiddenLine xmlns:a14="http://schemas.microsoft.com/office/drawing/2010/main" xmlns="" w="9525">
+                  <a14:hiddenLine xmlns="" xmlns:a14="http://schemas.microsoft.com/office/drawing/2010/main" w="9525">
                     <a:solidFill>
                       <a:srgbClr val="000000"/>
                     </a:solidFill>
@@ -11419,7 +11422,7 @@
               </a:ln>
               <a:extLst>
                 <a:ext uri="{91240B29-F687-4f45-9708-019B960494DF}">
-                  <a14:hiddenLine xmlns:a14="http://schemas.microsoft.com/office/drawing/2010/main" xmlns="" w="9525">
+                  <a14:hiddenLine xmlns="" xmlns:a14="http://schemas.microsoft.com/office/drawing/2010/main" w="9525">
                     <a:solidFill>
                       <a:srgbClr val="000000"/>
                     </a:solidFill>
@@ -11484,7 +11487,7 @@
               </a:ln>
               <a:extLst>
                 <a:ext uri="{91240B29-F687-4f45-9708-019B960494DF}">
-                  <a14:hiddenLine xmlns:a14="http://schemas.microsoft.com/office/drawing/2010/main" xmlns="" w="9525">
+                  <a14:hiddenLine xmlns="" xmlns:a14="http://schemas.microsoft.com/office/drawing/2010/main" w="9525">
                     <a:solidFill>
                       <a:srgbClr val="000000"/>
                     </a:solidFill>
@@ -11574,7 +11577,7 @@
               </a:ln>
               <a:extLst>
                 <a:ext uri="{91240B29-F687-4f45-9708-019B960494DF}">
-                  <a14:hiddenLine xmlns:a14="http://schemas.microsoft.com/office/drawing/2010/main" xmlns="" w="9525">
+                  <a14:hiddenLine xmlns="" xmlns:a14="http://schemas.microsoft.com/office/drawing/2010/main" w="9525">
                     <a:solidFill>
                       <a:srgbClr val="000000"/>
                     </a:solidFill>
@@ -11642,7 +11645,7 @@
               </a:ln>
               <a:extLst>
                 <a:ext uri="{91240B29-F687-4f45-9708-019B960494DF}">
-                  <a14:hiddenLine xmlns:a14="http://schemas.microsoft.com/office/drawing/2010/main" xmlns="" w="9525">
+                  <a14:hiddenLine xmlns="" xmlns:a14="http://schemas.microsoft.com/office/drawing/2010/main" w="9525">
                     <a:solidFill>
                       <a:srgbClr val="000000"/>
                     </a:solidFill>
@@ -11732,7 +11735,7 @@
               </a:ln>
               <a:extLst>
                 <a:ext uri="{91240B29-F687-4f45-9708-019B960494DF}">
-                  <a14:hiddenLine xmlns:a14="http://schemas.microsoft.com/office/drawing/2010/main" xmlns="" w="9525">
+                  <a14:hiddenLine xmlns="" xmlns:a14="http://schemas.microsoft.com/office/drawing/2010/main" w="9525">
                     <a:solidFill>
                       <a:srgbClr val="000000"/>
                     </a:solidFill>
@@ -11800,7 +11803,7 @@
               </a:ln>
               <a:extLst>
                 <a:ext uri="{91240B29-F687-4f45-9708-019B960494DF}">
-                  <a14:hiddenLine xmlns:a14="http://schemas.microsoft.com/office/drawing/2010/main" xmlns="" w="9525">
+                  <a14:hiddenLine xmlns="" xmlns:a14="http://schemas.microsoft.com/office/drawing/2010/main" w="9525">
                     <a:solidFill>
                       <a:srgbClr val="000000"/>
                     </a:solidFill>
@@ -11890,7 +11893,7 @@
               </a:ln>
               <a:extLst>
                 <a:ext uri="{91240B29-F687-4f45-9708-019B960494DF}">
-                  <a14:hiddenLine xmlns:a14="http://schemas.microsoft.com/office/drawing/2010/main" xmlns="" w="9525">
+                  <a14:hiddenLine xmlns="" xmlns:a14="http://schemas.microsoft.com/office/drawing/2010/main" w="9525">
                     <a:solidFill>
                       <a:srgbClr val="000000"/>
                     </a:solidFill>
@@ -11924,7 +11927,7 @@
               </a:ln>
               <a:extLst>
                 <a:ext uri="{91240B29-F687-4f45-9708-019B960494DF}">
-                  <a14:hiddenLine xmlns:a14="http://schemas.microsoft.com/office/drawing/2010/main" xmlns="" w="9525">
+                  <a14:hiddenLine xmlns="" xmlns:a14="http://schemas.microsoft.com/office/drawing/2010/main" w="9525">
                     <a:solidFill>
                       <a:srgbClr val="000000"/>
                     </a:solidFill>
@@ -12065,7 +12068,7 @@
             <a:fld id="{A5B0A250-5CC0-1746-B209-08E8B0DAE6AF}" type="datetimeFigureOut">
               <a:rPr lang="en-US" smtClean="0"/>
               <a:pPr/>
-              <a:t>8/27/2023</a:t>
+              <a:t>10/6/2023</a:t>
             </a:fld>
             <a:endParaRPr lang="en-US" dirty="0"/>
           </a:p>
@@ -12587,14 +12590,6 @@
   <p:clrMapOvr>
     <a:masterClrMapping/>
   </p:clrMapOvr>
-  <mc:AlternateContent xmlns:mc="http://schemas.openxmlformats.org/markup-compatibility/2006">
-    <mc:Choice xmlns:p14="http://schemas.microsoft.com/office/powerpoint/2010/main" Requires="p14">
-      <p:transition spd="slow" p14:dur="2000" advTm="4680"/>
-    </mc:Choice>
-    <mc:Fallback>
-      <p:transition spd="slow" advTm="4680"/>
-    </mc:Fallback>
-  </mc:AlternateContent>
   <p:timing>
     <p:tnLst>
       <p:par>
@@ -12926,7 +12921,7 @@
                             </p:stCondLst>
                             <p:childTnLst>
                               <p:par>
-                                <p:cTn id="24" presetID="34" presetClass="emph" presetSubtype="0" repeatCount="10000" fill="hold" grpId="1" nodeType="afterEffect">
+                                <p:cTn id="24" presetID="34" presetClass="emph" presetSubtype="0" repeatCount="3000" fill="hold" grpId="1" nodeType="afterEffect">
                                   <p:stCondLst>
                                     <p:cond delay="0"/>
                                   </p:stCondLst>
@@ -13274,14 +13269,6 @@
   <p:clrMapOvr>
     <a:masterClrMapping/>
   </p:clrMapOvr>
-  <mc:AlternateContent xmlns:mc="http://schemas.openxmlformats.org/markup-compatibility/2006">
-    <mc:Choice xmlns:p14="http://schemas.microsoft.com/office/powerpoint/2010/main" Requires="p14">
-      <p:transition spd="slow" p14:dur="2000" advTm="12901"/>
-    </mc:Choice>
-    <mc:Fallback>
-      <p:transition spd="slow" advTm="12901"/>
-    </mc:Fallback>
-  </mc:AlternateContent>
   <p:timing>
     <p:tnLst>
       <p:par>
@@ -13306,31 +13293,14 @@
                             </p:stCondLst>
                             <p:childTnLst>
                               <p:par>
-                                <p:cTn id="5" presetID="1" presetClass="mediacall" presetSubtype="0" fill="hold" nodeType="afterEffect">
-                                  <p:stCondLst>
-                                    <p:cond delay="0"/>
-                                  </p:stCondLst>
-                                  <p:childTnLst>
-                                    <p:cmd type="call" cmd="playFrom(0.0)">
-                                      <p:cBhvr>
-                                        <p:cTn id="6" dur="1" fill="hold"/>
-                                        <p:tgtEl>
-                                          <p:spTgt spid="17"/>
-                                        </p:tgtEl>
-                                      </p:cBhvr>
-                                    </p:cmd>
-                                  </p:childTnLst>
-                                </p:cTn>
-                              </p:par>
-                              <p:par>
-                                <p:cTn id="7" presetID="42" presetClass="entr" presetSubtype="0" fill="hold" nodeType="withEffect">
+                                <p:cTn id="5" presetID="42" presetClass="entr" presetSubtype="0" fill="hold" nodeType="withEffect">
                                   <p:stCondLst>
                                     <p:cond delay="0"/>
                                   </p:stCondLst>
                                   <p:childTnLst>
                                     <p:set>
                                       <p:cBhvr>
-                                        <p:cTn id="8" dur="1" fill="hold">
+                                        <p:cTn id="6" dur="1" fill="hold">
                                           <p:stCondLst>
                                             <p:cond delay="0"/>
                                           </p:stCondLst>
@@ -13348,7 +13318,7 @@
                                     </p:set>
                                     <p:animEffect transition="in" filter="fade">
                                       <p:cBhvr>
-                                        <p:cTn id="9" dur="1000"/>
+                                        <p:cTn id="7" dur="1000"/>
                                         <p:tgtEl>
                                           <p:spTgt spid="12"/>
                                         </p:tgtEl>
@@ -13356,7 +13326,7 @@
                                     </p:animEffect>
                                     <p:anim calcmode="lin" valueType="num">
                                       <p:cBhvr>
-                                        <p:cTn id="10" dur="1000" fill="hold"/>
+                                        <p:cTn id="8" dur="1000" fill="hold"/>
                                         <p:tgtEl>
                                           <p:spTgt spid="12"/>
                                         </p:tgtEl>
@@ -13379,7 +13349,7 @@
                                     </p:anim>
                                     <p:anim calcmode="lin" valueType="num">
                                       <p:cBhvr>
-                                        <p:cTn id="11" dur="1000" fill="hold"/>
+                                        <p:cTn id="9" dur="1000" fill="hold"/>
                                         <p:tgtEl>
                                           <p:spTgt spid="12"/>
                                         </p:tgtEl>
@@ -13406,21 +13376,30 @@
                             </p:childTnLst>
                           </p:cTn>
                         </p:par>
+                      </p:childTnLst>
+                    </p:cTn>
+                  </p:par>
+                  <p:par>
+                    <p:cTn id="10" fill="hold">
+                      <p:stCondLst>
+                        <p:cond delay="indefinite"/>
+                      </p:stCondLst>
+                      <p:childTnLst>
                         <p:par>
-                          <p:cTn id="12" fill="hold">
+                          <p:cTn id="11" fill="hold">
                             <p:stCondLst>
-                              <p:cond delay="1000"/>
+                              <p:cond delay="0"/>
                             </p:stCondLst>
                             <p:childTnLst>
                               <p:par>
-                                <p:cTn id="13" presetID="6" presetClass="entr" presetSubtype="16" fill="hold" grpId="0" nodeType="afterEffect">
+                                <p:cTn id="12" presetID="6" presetClass="entr" presetSubtype="16" fill="hold" grpId="0" nodeType="clickEffect">
                                   <p:stCondLst>
                                     <p:cond delay="0"/>
                                   </p:stCondLst>
                                   <p:childTnLst>
                                     <p:set>
                                       <p:cBhvr>
-                                        <p:cTn id="14" dur="1" fill="hold">
+                                        <p:cTn id="13" dur="1" fill="hold">
                                           <p:stCondLst>
                                             <p:cond delay="0"/>
                                           </p:stCondLst>
@@ -13438,7 +13417,7 @@
                                     </p:set>
                                     <p:animEffect transition="in" filter="circle(in)">
                                       <p:cBhvr>
-                                        <p:cTn id="15" dur="2000"/>
+                                        <p:cTn id="14" dur="2000"/>
                                         <p:tgtEl>
                                           <p:spTgt spid="13"/>
                                         </p:tgtEl>
@@ -13454,26 +13433,26 @@
                     </p:cTn>
                   </p:par>
                   <p:par>
-                    <p:cTn id="16" fill="hold">
+                    <p:cTn id="15" fill="hold">
                       <p:stCondLst>
                         <p:cond delay="indefinite"/>
                       </p:stCondLst>
                       <p:childTnLst>
                         <p:par>
-                          <p:cTn id="17" fill="hold">
+                          <p:cTn id="16" fill="hold">
                             <p:stCondLst>
                               <p:cond delay="0"/>
                             </p:stCondLst>
                             <p:childTnLst>
                               <p:par>
-                                <p:cTn id="18" presetID="2" presetClass="exit" presetSubtype="4" fill="hold" grpId="1" nodeType="clickEffect">
+                                <p:cTn id="17" presetID="2" presetClass="exit" presetSubtype="4" fill="hold" grpId="1" nodeType="clickEffect">
                                   <p:stCondLst>
                                     <p:cond delay="0"/>
                                   </p:stCondLst>
                                   <p:childTnLst>
                                     <p:anim calcmode="lin" valueType="num">
                                       <p:cBhvr additive="base">
-                                        <p:cTn id="19" dur="500"/>
+                                        <p:cTn id="18" dur="500"/>
                                         <p:tgtEl>
                                           <p:spTgt spid="13"/>
                                         </p:tgtEl>
@@ -13496,7 +13475,7 @@
                                     </p:anim>
                                     <p:anim calcmode="lin" valueType="num">
                                       <p:cBhvr additive="base">
-                                        <p:cTn id="20" dur="500"/>
+                                        <p:cTn id="19" dur="500"/>
                                         <p:tgtEl>
                                           <p:spTgt spid="13"/>
                                         </p:tgtEl>
@@ -13519,7 +13498,7 @@
                                     </p:anim>
                                     <p:set>
                                       <p:cBhvr>
-                                        <p:cTn id="21" dur="1" fill="hold">
+                                        <p:cTn id="20" dur="1" fill="hold">
                                           <p:stCondLst>
                                             <p:cond delay="499"/>
                                           </p:stCondLst>
@@ -13542,13 +13521,13 @@
                           </p:cTn>
                         </p:par>
                         <p:par>
-                          <p:cTn id="22" fill="hold">
+                          <p:cTn id="21" fill="hold">
                             <p:stCondLst>
                               <p:cond delay="500"/>
                             </p:stCondLst>
                             <p:childTnLst>
                               <p:par>
-                                <p:cTn id="23" presetID="42" presetClass="entr" presetSubtype="0" fill="hold" grpId="0" nodeType="afterEffect">
+                                <p:cTn id="22" presetID="42" presetClass="entr" presetSubtype="0" fill="hold" grpId="0" nodeType="afterEffect">
                                   <p:stCondLst>
                                     <p:cond delay="0"/>
                                   </p:stCondLst>
@@ -13558,7 +13537,7 @@
                                   <p:childTnLst>
                                     <p:set>
                                       <p:cBhvr>
-                                        <p:cTn id="24" dur="1" fill="hold">
+                                        <p:cTn id="23" dur="1" fill="hold">
                                           <p:stCondLst>
                                             <p:cond delay="0"/>
                                           </p:stCondLst>
@@ -13576,7 +13555,7 @@
                                     </p:set>
                                     <p:animEffect transition="in" filter="fade">
                                       <p:cBhvr>
-                                        <p:cTn id="25" dur="1000"/>
+                                        <p:cTn id="24" dur="1000"/>
                                         <p:tgtEl>
                                           <p:spTgt spid="14"/>
                                         </p:tgtEl>
@@ -13584,7 +13563,7 @@
                                     </p:animEffect>
                                     <p:anim calcmode="lin" valueType="num">
                                       <p:cBhvr>
-                                        <p:cTn id="26" dur="1000" fill="hold"/>
+                                        <p:cTn id="25" dur="1000" fill="hold"/>
                                         <p:tgtEl>
                                           <p:spTgt spid="14"/>
                                         </p:tgtEl>
@@ -13607,7 +13586,7 @@
                                     </p:anim>
                                     <p:anim calcmode="lin" valueType="num">
                                       <p:cBhvr>
-                                        <p:cTn id="27" dur="1000" fill="hold"/>
+                                        <p:cTn id="26" dur="1000" fill="hold"/>
                                         <p:tgtEl>
                                           <p:spTgt spid="14"/>
                                         </p:tgtEl>
@@ -13628,41 +13607,6 @@
                                         </p:tav>
                                       </p:tavLst>
                                     </p:anim>
-                                  </p:childTnLst>
-                                </p:cTn>
-                              </p:par>
-                            </p:childTnLst>
-                          </p:cTn>
-                        </p:par>
-                        <p:par>
-                          <p:cTn id="28" fill="hold">
-                            <p:stCondLst>
-                              <p:cond delay="1500"/>
-                            </p:stCondLst>
-                            <p:childTnLst>
-                              <p:par>
-                                <p:cTn id="29" presetID="15" presetClass="emph" presetSubtype="0" grpId="5" nodeType="afterEffect">
-                                  <p:stCondLst>
-                                    <p:cond delay="0"/>
-                                  </p:stCondLst>
-                                  <p:iterate type="lt">
-                                    <p:tmAbs val="25"/>
-                                  </p:iterate>
-                                  <p:childTnLst>
-                                    <p:set>
-                                      <p:cBhvr override="childStyle">
-                                        <p:cTn id="30" dur="indefinite"/>
-                                        <p:tgtEl>
-                                          <p:spTgt spid="14"/>
-                                        </p:tgtEl>
-                                        <p:attrNameLst>
-                                          <p:attrName>style.fontWeight</p:attrName>
-                                        </p:attrNameLst>
-                                      </p:cBhvr>
-                                      <p:to>
-                                        <p:strVal val="bold"/>
-                                      </p:to>
-                                    </p:set>
                                   </p:childTnLst>
                                 </p:cTn>
                               </p:par>
@@ -13691,7 +13635,7 @@
             </p:seq>
             <p:audio isNarration="1">
               <p:cMediaNode vol="80000" showWhenStopped="0">
-                <p:cTn id="31" fill="hold" display="0">
+                <p:cTn id="27" fill="hold" display="0">
                   <p:stCondLst>
                     <p:cond delay="indefinite"/>
                   </p:stCondLst>
@@ -13716,7 +13660,6 @@
       <p:bldP spid="13" grpId="0" animBg="1"/>
       <p:bldP spid="13" grpId="1" animBg="1"/>
       <p:bldP spid="14" grpId="0" animBg="1"/>
-      <p:bldP spid="14" grpId="5"/>
     </p:bldLst>
   </p:timing>
 </p:sld>
@@ -13818,14 +13761,6 @@
   <p:clrMapOvr>
     <a:masterClrMapping/>
   </p:clrMapOvr>
-  <mc:AlternateContent xmlns:mc="http://schemas.openxmlformats.org/markup-compatibility/2006">
-    <mc:Choice xmlns:p14="http://schemas.microsoft.com/office/powerpoint/2010/main" Requires="p14">
-      <p:transition spd="slow" p14:dur="2000" advTm="6787"/>
-    </mc:Choice>
-    <mc:Fallback>
-      <p:transition spd="slow" advTm="6787"/>
-    </mc:Fallback>
-  </mc:AlternateContent>
   <p:timing>
     <p:tnLst>
       <p:par>
@@ -13850,31 +13785,14 @@
                             </p:stCondLst>
                             <p:childTnLst>
                               <p:par>
-                                <p:cTn id="5" presetID="1" presetClass="mediacall" presetSubtype="0" fill="hold" nodeType="afterEffect">
-                                  <p:stCondLst>
-                                    <p:cond delay="0"/>
-                                  </p:stCondLst>
-                                  <p:childTnLst>
-                                    <p:cmd type="call" cmd="playFrom(0.0)">
-                                      <p:cBhvr>
-                                        <p:cTn id="6" dur="1" fill="hold"/>
-                                        <p:tgtEl>
-                                          <p:spTgt spid="7"/>
-                                        </p:tgtEl>
-                                      </p:cBhvr>
-                                    </p:cmd>
-                                  </p:childTnLst>
-                                </p:cTn>
-                              </p:par>
-                              <p:par>
-                                <p:cTn id="7" presetID="22" presetClass="entr" presetSubtype="1" fill="hold" nodeType="withEffect">
+                                <p:cTn id="5" presetID="22" presetClass="entr" presetSubtype="1" fill="hold" nodeType="withEffect">
                                   <p:stCondLst>
                                     <p:cond delay="0"/>
                                   </p:stCondLst>
                                   <p:childTnLst>
                                     <p:set>
                                       <p:cBhvr>
-                                        <p:cTn id="8" dur="1" fill="hold">
+                                        <p:cTn id="6" dur="1" fill="hold">
                                           <p:stCondLst>
                                             <p:cond delay="0"/>
                                           </p:stCondLst>
@@ -13892,7 +13810,7 @@
                                     </p:set>
                                     <p:animEffect transition="in" filter="wipe(up)">
                                       <p:cBhvr>
-                                        <p:cTn id="9" dur="500"/>
+                                        <p:cTn id="7" dur="500"/>
                                         <p:tgtEl>
                                           <p:spTgt spid="5"/>
                                         </p:tgtEl>
@@ -13926,7 +13844,7 @@
             </p:seq>
             <p:audio isNarration="1">
               <p:cMediaNode vol="80000" showWhenStopped="0">
-                <p:cTn id="10" fill="hold" display="0">
+                <p:cTn id="8" fill="hold" display="0">
                   <p:stCondLst>
                     <p:cond delay="indefinite"/>
                   </p:stCondLst>
@@ -14133,14 +14051,6 @@
   <p:clrMapOvr>
     <a:masterClrMapping/>
   </p:clrMapOvr>
-  <mc:AlternateContent xmlns:mc="http://schemas.openxmlformats.org/markup-compatibility/2006">
-    <mc:Choice xmlns:p14="http://schemas.microsoft.com/office/powerpoint/2010/main" Requires="p14">
-      <p:transition spd="slow" p14:dur="2000" advTm="7444"/>
-    </mc:Choice>
-    <mc:Fallback>
-      <p:transition spd="slow" advTm="7444"/>
-    </mc:Fallback>
-  </mc:AlternateContent>
   <p:timing>
     <p:tnLst>
       <p:par>
@@ -14165,24 +14075,7 @@
                             </p:stCondLst>
                             <p:childTnLst>
                               <p:par>
-                                <p:cTn id="5" presetID="1" presetClass="mediacall" presetSubtype="0" fill="hold" nodeType="afterEffect">
-                                  <p:stCondLst>
-                                    <p:cond delay="0"/>
-                                  </p:stCondLst>
-                                  <p:childTnLst>
-                                    <p:cmd type="call" cmd="playFrom(0.0)">
-                                      <p:cBhvr>
-                                        <p:cTn id="6" dur="1" fill="hold"/>
-                                        <p:tgtEl>
-                                          <p:spTgt spid="10"/>
-                                        </p:tgtEl>
-                                      </p:cBhvr>
-                                    </p:cmd>
-                                  </p:childTnLst>
-                                </p:cTn>
-                              </p:par>
-                              <p:par>
-                                <p:cTn id="7" presetID="26" presetClass="entr" presetSubtype="0" fill="hold" grpId="0" nodeType="withEffect">
+                                <p:cTn id="5" presetID="26" presetClass="entr" presetSubtype="0" fill="hold" grpId="0" nodeType="withEffect">
                                   <p:stCondLst>
                                     <p:cond delay="0"/>
                                   </p:stCondLst>
@@ -14192,7 +14085,7 @@
                                   <p:childTnLst>
                                     <p:set>
                                       <p:cBhvr>
-                                        <p:cTn id="8" dur="1" fill="hold">
+                                        <p:cTn id="6" dur="1" fill="hold">
                                           <p:stCondLst>
                                             <p:cond delay="0"/>
                                           </p:stCondLst>
@@ -14210,7 +14103,7 @@
                                     </p:set>
                                     <p:animEffect transition="in" filter="wipe(down)">
                                       <p:cBhvr>
-                                        <p:cTn id="9" dur="580">
+                                        <p:cTn id="7" dur="580">
                                           <p:stCondLst>
                                             <p:cond delay="0"/>
                                           </p:stCondLst>
@@ -14222,7 +14115,7 @@
                                     </p:animEffect>
                                     <p:anim calcmode="lin" valueType="num">
                                       <p:cBhvr>
-                                        <p:cTn id="10" dur="1822" tmFilter="0,0; 0.14,0.36; 0.43,0.73; 0.71,0.91; 1.0,1.0">
+                                        <p:cTn id="8" dur="1822" tmFilter="0,0; 0.14,0.36; 0.43,0.73; 0.71,0.91; 1.0,1.0">
                                           <p:stCondLst>
                                             <p:cond delay="0"/>
                                           </p:stCondLst>
@@ -14249,7 +14142,7 @@
                                     </p:anim>
                                     <p:anim calcmode="lin" valueType="num">
                                       <p:cBhvr>
-                                        <p:cTn id="11" dur="664" tmFilter="0.0,0.0; 0.25,0.07; 0.50,0.2; 0.75,0.467; 1.0,1.0">
+                                        <p:cTn id="9" dur="664" tmFilter="0.0,0.0; 0.25,0.07; 0.50,0.2; 0.75,0.467; 1.0,1.0">
                                           <p:stCondLst>
                                             <p:cond delay="0"/>
                                           </p:stCondLst>
@@ -14276,7 +14169,7 @@
                                     </p:anim>
                                     <p:anim calcmode="lin" valueType="num">
                                       <p:cBhvr>
-                                        <p:cTn id="12" dur="664" tmFilter="0, 0; 0.125,0.2665; 0.25,0.4; 0.375,0.465; 0.5,0.5;  0.625,0.535; 0.75,0.6; 0.875,0.7335; 1,1">
+                                        <p:cTn id="10" dur="664" tmFilter="0, 0; 0.125,0.2665; 0.25,0.4; 0.375,0.465; 0.5,0.5;  0.625,0.535; 0.75,0.6; 0.875,0.7335; 1,1">
                                           <p:stCondLst>
                                             <p:cond delay="664"/>
                                           </p:stCondLst>
@@ -14303,7 +14196,7 @@
                                     </p:anim>
                                     <p:anim calcmode="lin" valueType="num">
                                       <p:cBhvr>
-                                        <p:cTn id="13" dur="332" tmFilter="0, 0; 0.125,0.2665; 0.25,0.4; 0.375,0.465; 0.5,0.5;  0.625,0.535; 0.75,0.6; 0.875,0.7335; 1,1">
+                                        <p:cTn id="11" dur="332" tmFilter="0, 0; 0.125,0.2665; 0.25,0.4; 0.375,0.465; 0.5,0.5;  0.625,0.535; 0.75,0.6; 0.875,0.7335; 1,1">
                                           <p:stCondLst>
                                             <p:cond delay="1324"/>
                                           </p:stCondLst>
@@ -14330,7 +14223,7 @@
                                     </p:anim>
                                     <p:anim calcmode="lin" valueType="num">
                                       <p:cBhvr>
-                                        <p:cTn id="14" dur="164" tmFilter="0, 0; 0.125,0.2665; 0.25,0.4; 0.375,0.465; 0.5,0.5;  0.625,0.535; 0.75,0.6; 0.875,0.7335; 1,1">
+                                        <p:cTn id="12" dur="164" tmFilter="0, 0; 0.125,0.2665; 0.25,0.4; 0.375,0.465; 0.5,0.5;  0.625,0.535; 0.75,0.6; 0.875,0.7335; 1,1">
                                           <p:stCondLst>
                                             <p:cond delay="1656"/>
                                           </p:stCondLst>
@@ -14357,7 +14250,7 @@
                                     </p:anim>
                                     <p:animScale>
                                       <p:cBhvr>
-                                        <p:cTn id="15" dur="26">
+                                        <p:cTn id="13" dur="26">
                                           <p:stCondLst>
                                             <p:cond delay="650"/>
                                           </p:stCondLst>
@@ -14370,7 +14263,7 @@
                                     </p:animScale>
                                     <p:animScale>
                                       <p:cBhvr>
-                                        <p:cTn id="16" dur="166" decel="50000">
+                                        <p:cTn id="14" dur="166" decel="50000">
                                           <p:stCondLst>
                                             <p:cond delay="676"/>
                                           </p:stCondLst>
@@ -14383,7 +14276,7 @@
                                     </p:animScale>
                                     <p:animScale>
                                       <p:cBhvr>
-                                        <p:cTn id="17" dur="26">
+                                        <p:cTn id="15" dur="26">
                                           <p:stCondLst>
                                             <p:cond delay="1312"/>
                                           </p:stCondLst>
@@ -14396,7 +14289,7 @@
                                     </p:animScale>
                                     <p:animScale>
                                       <p:cBhvr>
-                                        <p:cTn id="18" dur="166" decel="50000">
+                                        <p:cTn id="16" dur="166" decel="50000">
                                           <p:stCondLst>
                                             <p:cond delay="1338"/>
                                           </p:stCondLst>
@@ -14409,7 +14302,7 @@
                                     </p:animScale>
                                     <p:animScale>
                                       <p:cBhvr>
-                                        <p:cTn id="19" dur="26">
+                                        <p:cTn id="17" dur="26">
                                           <p:stCondLst>
                                             <p:cond delay="1642"/>
                                           </p:stCondLst>
@@ -14422,7 +14315,7 @@
                                     </p:animScale>
                                     <p:animScale>
                                       <p:cBhvr>
-                                        <p:cTn id="20" dur="166" decel="50000">
+                                        <p:cTn id="18" dur="166" decel="50000">
                                           <p:stCondLst>
                                             <p:cond delay="1668"/>
                                           </p:stCondLst>
@@ -14435,7 +14328,7 @@
                                     </p:animScale>
                                     <p:animScale>
                                       <p:cBhvr>
-                                        <p:cTn id="21" dur="26">
+                                        <p:cTn id="19" dur="26">
                                           <p:stCondLst>
                                             <p:cond delay="1808"/>
                                           </p:stCondLst>
@@ -14448,7 +14341,7 @@
                                     </p:animScale>
                                     <p:animScale>
                                       <p:cBhvr>
-                                        <p:cTn id="22" dur="166" decel="50000">
+                                        <p:cTn id="20" dur="166" decel="50000">
                                           <p:stCondLst>
                                             <p:cond delay="1834"/>
                                           </p:stCondLst>
@@ -14466,20 +14359,20 @@
                           </p:cTn>
                         </p:par>
                         <p:par>
-                          <p:cTn id="23" fill="hold">
+                          <p:cTn id="21" fill="hold">
                             <p:stCondLst>
                               <p:cond delay="2000"/>
                             </p:stCondLst>
                             <p:childTnLst>
                               <p:par>
-                                <p:cTn id="24" presetID="22" presetClass="entr" presetSubtype="1" fill="hold" nodeType="afterEffect">
+                                <p:cTn id="22" presetID="22" presetClass="entr" presetSubtype="1" fill="hold" nodeType="afterEffect">
                                   <p:stCondLst>
                                     <p:cond delay="0"/>
                                   </p:stCondLst>
                                   <p:childTnLst>
                                     <p:set>
                                       <p:cBhvr>
-                                        <p:cTn id="25" dur="1" fill="hold">
+                                        <p:cTn id="23" dur="1" fill="hold">
                                           <p:stCondLst>
                                             <p:cond delay="0"/>
                                           </p:stCondLst>
@@ -14497,7 +14390,7 @@
                                     </p:set>
                                     <p:animEffect transition="in" filter="wipe(up)">
                                       <p:cBhvr>
-                                        <p:cTn id="26" dur="500"/>
+                                        <p:cTn id="24" dur="500"/>
                                         <p:tgtEl>
                                           <p:spTgt spid="7"/>
                                         </p:tgtEl>
@@ -14531,7 +14424,7 @@
             </p:seq>
             <p:audio isNarration="1">
               <p:cMediaNode vol="80000" showWhenStopped="0">
-                <p:cTn id="27" fill="hold" display="0">
+                <p:cTn id="25" fill="hold" display="0">
                   <p:stCondLst>
                     <p:cond delay="indefinite"/>
                   </p:stCondLst>
@@ -14729,14 +14622,6 @@
   <p:clrMapOvr>
     <a:masterClrMapping/>
   </p:clrMapOvr>
-  <mc:AlternateContent xmlns:mc="http://schemas.openxmlformats.org/markup-compatibility/2006">
-    <mc:Choice xmlns:p14="http://schemas.microsoft.com/office/powerpoint/2010/main" Requires="p14">
-      <p:transition spd="slow" p14:dur="2000" advTm="19428"/>
-    </mc:Choice>
-    <mc:Fallback>
-      <p:transition spd="slow" advTm="19428"/>
-    </mc:Fallback>
-  </mc:AlternateContent>
   <p:timing>
     <p:tnLst>
       <p:par>
@@ -14761,24 +14646,7 @@
                             </p:stCondLst>
                             <p:childTnLst>
                               <p:par>
-                                <p:cTn id="5" presetID="1" presetClass="mediacall" presetSubtype="0" fill="hold" nodeType="afterEffect">
-                                  <p:stCondLst>
-                                    <p:cond delay="0"/>
-                                  </p:stCondLst>
-                                  <p:childTnLst>
-                                    <p:cmd type="call" cmd="playFrom(0.0)">
-                                      <p:cBhvr>
-                                        <p:cTn id="6" dur="1" fill="hold"/>
-                                        <p:tgtEl>
-                                          <p:spTgt spid="5"/>
-                                        </p:tgtEl>
-                                      </p:cBhvr>
-                                    </p:cmd>
-                                  </p:childTnLst>
-                                </p:cTn>
-                              </p:par>
-                              <p:par>
-                                <p:cTn id="7" presetID="26" presetClass="entr" presetSubtype="0" fill="hold" grpId="0" nodeType="withEffect">
+                                <p:cTn id="5" presetID="26" presetClass="entr" presetSubtype="0" fill="hold" grpId="0" nodeType="withEffect">
                                   <p:stCondLst>
                                     <p:cond delay="0"/>
                                   </p:stCondLst>
@@ -14788,7 +14656,7 @@
                                   <p:childTnLst>
                                     <p:set>
                                       <p:cBhvr>
-                                        <p:cTn id="8" dur="1" fill="hold">
+                                        <p:cTn id="6" dur="1" fill="hold">
                                           <p:stCondLst>
                                             <p:cond delay="0"/>
                                           </p:stCondLst>
@@ -14806,7 +14674,7 @@
                                     </p:set>
                                     <p:animEffect transition="in" filter="wipe(down)">
                                       <p:cBhvr>
-                                        <p:cTn id="9" dur="580">
+                                        <p:cTn id="7" dur="580">
                                           <p:stCondLst>
                                             <p:cond delay="0"/>
                                           </p:stCondLst>
@@ -14818,7 +14686,7 @@
                                     </p:animEffect>
                                     <p:anim calcmode="lin" valueType="num">
                                       <p:cBhvr>
-                                        <p:cTn id="10" dur="1822" tmFilter="0,0; 0.14,0.36; 0.43,0.73; 0.71,0.91; 1.0,1.0">
+                                        <p:cTn id="8" dur="1822" tmFilter="0,0; 0.14,0.36; 0.43,0.73; 0.71,0.91; 1.0,1.0">
                                           <p:stCondLst>
                                             <p:cond delay="0"/>
                                           </p:stCondLst>
@@ -14845,7 +14713,7 @@
                                     </p:anim>
                                     <p:anim calcmode="lin" valueType="num">
                                       <p:cBhvr>
-                                        <p:cTn id="11" dur="664" tmFilter="0.0,0.0; 0.25,0.07; 0.50,0.2; 0.75,0.467; 1.0,1.0">
+                                        <p:cTn id="9" dur="664" tmFilter="0.0,0.0; 0.25,0.07; 0.50,0.2; 0.75,0.467; 1.0,1.0">
                                           <p:stCondLst>
                                             <p:cond delay="0"/>
                                           </p:stCondLst>
@@ -14872,7 +14740,7 @@
                                     </p:anim>
                                     <p:anim calcmode="lin" valueType="num">
                                       <p:cBhvr>
-                                        <p:cTn id="12" dur="664" tmFilter="0, 0; 0.125,0.2665; 0.25,0.4; 0.375,0.465; 0.5,0.5;  0.625,0.535; 0.75,0.6; 0.875,0.7335; 1,1">
+                                        <p:cTn id="10" dur="664" tmFilter="0, 0; 0.125,0.2665; 0.25,0.4; 0.375,0.465; 0.5,0.5;  0.625,0.535; 0.75,0.6; 0.875,0.7335; 1,1">
                                           <p:stCondLst>
                                             <p:cond delay="664"/>
                                           </p:stCondLst>
@@ -14899,7 +14767,7 @@
                                     </p:anim>
                                     <p:anim calcmode="lin" valueType="num">
                                       <p:cBhvr>
-                                        <p:cTn id="13" dur="332" tmFilter="0, 0; 0.125,0.2665; 0.25,0.4; 0.375,0.465; 0.5,0.5;  0.625,0.535; 0.75,0.6; 0.875,0.7335; 1,1">
+                                        <p:cTn id="11" dur="332" tmFilter="0, 0; 0.125,0.2665; 0.25,0.4; 0.375,0.465; 0.5,0.5;  0.625,0.535; 0.75,0.6; 0.875,0.7335; 1,1">
                                           <p:stCondLst>
                                             <p:cond delay="1324"/>
                                           </p:stCondLst>
@@ -14926,7 +14794,7 @@
                                     </p:anim>
                                     <p:anim calcmode="lin" valueType="num">
                                       <p:cBhvr>
-                                        <p:cTn id="14" dur="164" tmFilter="0, 0; 0.125,0.2665; 0.25,0.4; 0.375,0.465; 0.5,0.5;  0.625,0.535; 0.75,0.6; 0.875,0.7335; 1,1">
+                                        <p:cTn id="12" dur="164" tmFilter="0, 0; 0.125,0.2665; 0.25,0.4; 0.375,0.465; 0.5,0.5;  0.625,0.535; 0.75,0.6; 0.875,0.7335; 1,1">
                                           <p:stCondLst>
                                             <p:cond delay="1656"/>
                                           </p:stCondLst>
@@ -14953,7 +14821,7 @@
                                     </p:anim>
                                     <p:animScale>
                                       <p:cBhvr>
-                                        <p:cTn id="15" dur="26">
+                                        <p:cTn id="13" dur="26">
                                           <p:stCondLst>
                                             <p:cond delay="650"/>
                                           </p:stCondLst>
@@ -14966,7 +14834,7 @@
                                     </p:animScale>
                                     <p:animScale>
                                       <p:cBhvr>
-                                        <p:cTn id="16" dur="166" decel="50000">
+                                        <p:cTn id="14" dur="166" decel="50000">
                                           <p:stCondLst>
                                             <p:cond delay="676"/>
                                           </p:stCondLst>
@@ -14979,7 +14847,7 @@
                                     </p:animScale>
                                     <p:animScale>
                                       <p:cBhvr>
-                                        <p:cTn id="17" dur="26">
+                                        <p:cTn id="15" dur="26">
                                           <p:stCondLst>
                                             <p:cond delay="1312"/>
                                           </p:stCondLst>
@@ -14992,7 +14860,7 @@
                                     </p:animScale>
                                     <p:animScale>
                                       <p:cBhvr>
-                                        <p:cTn id="18" dur="166" decel="50000">
+                                        <p:cTn id="16" dur="166" decel="50000">
                                           <p:stCondLst>
                                             <p:cond delay="1338"/>
                                           </p:stCondLst>
@@ -15005,7 +14873,7 @@
                                     </p:animScale>
                                     <p:animScale>
                                       <p:cBhvr>
-                                        <p:cTn id="19" dur="26">
+                                        <p:cTn id="17" dur="26">
                                           <p:stCondLst>
                                             <p:cond delay="1642"/>
                                           </p:stCondLst>
@@ -15018,7 +14886,7 @@
                                     </p:animScale>
                                     <p:animScale>
                                       <p:cBhvr>
-                                        <p:cTn id="20" dur="166" decel="50000">
+                                        <p:cTn id="18" dur="166" decel="50000">
                                           <p:stCondLst>
                                             <p:cond delay="1668"/>
                                           </p:stCondLst>
@@ -15031,7 +14899,7 @@
                                     </p:animScale>
                                     <p:animScale>
                                       <p:cBhvr>
-                                        <p:cTn id="21" dur="26">
+                                        <p:cTn id="19" dur="26">
                                           <p:stCondLst>
                                             <p:cond delay="1808"/>
                                           </p:stCondLst>
@@ -15044,7 +14912,7 @@
                                     </p:animScale>
                                     <p:animScale>
                                       <p:cBhvr>
-                                        <p:cTn id="22" dur="166" decel="50000">
+                                        <p:cTn id="20" dur="166" decel="50000">
                                           <p:stCondLst>
                                             <p:cond delay="1834"/>
                                           </p:stCondLst>
@@ -15058,106 +14926,8 @@
                                   </p:childTnLst>
                                 </p:cTn>
                               </p:par>
-                            </p:childTnLst>
-                          </p:cTn>
-                        </p:par>
-                        <p:par>
-                          <p:cTn id="23" fill="hold">
-                            <p:stCondLst>
-                              <p:cond delay="2000"/>
-                            </p:stCondLst>
-                            <p:childTnLst>
                               <p:par>
-                                <p:cTn id="24" presetID="34" presetClass="emph" presetSubtype="0" repeatCount="10000" fill="hold" grpId="1" nodeType="afterEffect">
-                                  <p:stCondLst>
-                                    <p:cond delay="0"/>
-                                  </p:stCondLst>
-                                  <p:iterate type="lt">
-                                    <p:tmPct val="10000"/>
-                                  </p:iterate>
-                                  <p:childTnLst>
-                                    <p:animMotion origin="layout" path="M 4.16667E-7 2.59259E-6 L 4.16667E-7 -0.07222 " pathEditMode="relative" rAng="0" ptsTypes="AA">
-                                      <p:cBhvr>
-                                        <p:cTn id="25" dur="250" accel="50000" decel="50000" autoRev="1" fill="hold">
-                                          <p:stCondLst>
-                                            <p:cond delay="0"/>
-                                          </p:stCondLst>
-                                        </p:cTn>
-                                        <p:tgtEl>
-                                          <p:spTgt spid="4"/>
-                                        </p:tgtEl>
-                                        <p:attrNameLst>
-                                          <p:attrName>ppt_x</p:attrName>
-                                          <p:attrName>ppt_y</p:attrName>
-                                        </p:attrNameLst>
-                                      </p:cBhvr>
-                                      <p:rCtr x="0" y="-3611"/>
-                                    </p:animMotion>
-                                    <p:animRot by="1500000">
-                                      <p:cBhvr>
-                                        <p:cTn id="26" dur="125" fill="hold">
-                                          <p:stCondLst>
-                                            <p:cond delay="0"/>
-                                          </p:stCondLst>
-                                        </p:cTn>
-                                        <p:tgtEl>
-                                          <p:spTgt spid="4"/>
-                                        </p:tgtEl>
-                                        <p:attrNameLst>
-                                          <p:attrName>r</p:attrName>
-                                        </p:attrNameLst>
-                                      </p:cBhvr>
-                                    </p:animRot>
-                                    <p:animRot by="-1500000">
-                                      <p:cBhvr>
-                                        <p:cTn id="27" dur="125" fill="hold">
-                                          <p:stCondLst>
-                                            <p:cond delay="125"/>
-                                          </p:stCondLst>
-                                        </p:cTn>
-                                        <p:tgtEl>
-                                          <p:spTgt spid="4"/>
-                                        </p:tgtEl>
-                                        <p:attrNameLst>
-                                          <p:attrName>r</p:attrName>
-                                        </p:attrNameLst>
-                                      </p:cBhvr>
-                                    </p:animRot>
-                                    <p:animRot by="-1500000">
-                                      <p:cBhvr>
-                                        <p:cTn id="28" dur="125" fill="hold">
-                                          <p:stCondLst>
-                                            <p:cond delay="250"/>
-                                          </p:stCondLst>
-                                        </p:cTn>
-                                        <p:tgtEl>
-                                          <p:spTgt spid="4"/>
-                                        </p:tgtEl>
-                                        <p:attrNameLst>
-                                          <p:attrName>r</p:attrName>
-                                        </p:attrNameLst>
-                                      </p:cBhvr>
-                                    </p:animRot>
-                                    <p:animRot by="1500000">
-                                      <p:cBhvr>
-                                        <p:cTn id="29" dur="125" fill="hold">
-                                          <p:stCondLst>
-                                            <p:cond delay="375"/>
-                                          </p:stCondLst>
-                                        </p:cTn>
-                                        <p:tgtEl>
-                                          <p:spTgt spid="4"/>
-                                        </p:tgtEl>
-                                        <p:attrNameLst>
-                                          <p:attrName>r</p:attrName>
-                                        </p:attrNameLst>
-                                      </p:cBhvr>
-                                    </p:animRot>
-                                  </p:childTnLst>
-                                </p:cTn>
-                              </p:par>
-                              <p:par>
-                                <p:cTn id="30" presetID="26" presetClass="entr" presetSubtype="0" fill="hold" grpId="0" nodeType="withEffect">
+                                <p:cTn id="21" presetID="26" presetClass="entr" presetSubtype="0" fill="hold" grpId="0" nodeType="withEffect">
                                   <p:stCondLst>
                                     <p:cond delay="0"/>
                                   </p:stCondLst>
@@ -15167,7 +14937,7 @@
                                   <p:childTnLst>
                                     <p:set>
                                       <p:cBhvr>
-                                        <p:cTn id="31" dur="1" fill="hold">
+                                        <p:cTn id="22" dur="1" fill="hold">
                                           <p:stCondLst>
                                             <p:cond delay="0"/>
                                           </p:stCondLst>
@@ -15185,7 +14955,7 @@
                                     </p:set>
                                     <p:animEffect transition="in" filter="wipe(down)">
                                       <p:cBhvr>
-                                        <p:cTn id="32" dur="580">
+                                        <p:cTn id="23" dur="580">
                                           <p:stCondLst>
                                             <p:cond delay="0"/>
                                           </p:stCondLst>
@@ -15197,7 +14967,7 @@
                                     </p:animEffect>
                                     <p:anim calcmode="lin" valueType="num">
                                       <p:cBhvr>
-                                        <p:cTn id="33" dur="1822" tmFilter="0,0; 0.14,0.36; 0.43,0.73; 0.71,0.91; 1.0,1.0">
+                                        <p:cTn id="24" dur="1822" tmFilter="0,0; 0.14,0.36; 0.43,0.73; 0.71,0.91; 1.0,1.0">
                                           <p:stCondLst>
                                             <p:cond delay="0"/>
                                           </p:stCondLst>
@@ -15224,7 +14994,7 @@
                                     </p:anim>
                                     <p:anim calcmode="lin" valueType="num">
                                       <p:cBhvr>
-                                        <p:cTn id="34" dur="664" tmFilter="0.0,0.0; 0.25,0.07; 0.50,0.2; 0.75,0.467; 1.0,1.0">
+                                        <p:cTn id="25" dur="664" tmFilter="0.0,0.0; 0.25,0.07; 0.50,0.2; 0.75,0.467; 1.0,1.0">
                                           <p:stCondLst>
                                             <p:cond delay="0"/>
                                           </p:stCondLst>
@@ -15251,7 +15021,7 @@
                                     </p:anim>
                                     <p:anim calcmode="lin" valueType="num">
                                       <p:cBhvr>
-                                        <p:cTn id="35" dur="664" tmFilter="0, 0; 0.125,0.2665; 0.25,0.4; 0.375,0.465; 0.5,0.5;  0.625,0.535; 0.75,0.6; 0.875,0.7335; 1,1">
+                                        <p:cTn id="26" dur="664" tmFilter="0, 0; 0.125,0.2665; 0.25,0.4; 0.375,0.465; 0.5,0.5;  0.625,0.535; 0.75,0.6; 0.875,0.7335; 1,1">
                                           <p:stCondLst>
                                             <p:cond delay="664"/>
                                           </p:stCondLst>
@@ -15278,7 +15048,7 @@
                                     </p:anim>
                                     <p:anim calcmode="lin" valueType="num">
                                       <p:cBhvr>
-                                        <p:cTn id="36" dur="332" tmFilter="0, 0; 0.125,0.2665; 0.25,0.4; 0.375,0.465; 0.5,0.5;  0.625,0.535; 0.75,0.6; 0.875,0.7335; 1,1">
+                                        <p:cTn id="27" dur="332" tmFilter="0, 0; 0.125,0.2665; 0.25,0.4; 0.375,0.465; 0.5,0.5;  0.625,0.535; 0.75,0.6; 0.875,0.7335; 1,1">
                                           <p:stCondLst>
                                             <p:cond delay="1324"/>
                                           </p:stCondLst>
@@ -15305,7 +15075,7 @@
                                     </p:anim>
                                     <p:anim calcmode="lin" valueType="num">
                                       <p:cBhvr>
-                                        <p:cTn id="37" dur="164" tmFilter="0, 0; 0.125,0.2665; 0.25,0.4; 0.375,0.465; 0.5,0.5;  0.625,0.535; 0.75,0.6; 0.875,0.7335; 1,1">
+                                        <p:cTn id="28" dur="164" tmFilter="0, 0; 0.125,0.2665; 0.25,0.4; 0.375,0.465; 0.5,0.5;  0.625,0.535; 0.75,0.6; 0.875,0.7335; 1,1">
                                           <p:stCondLst>
                                             <p:cond delay="1656"/>
                                           </p:stCondLst>
@@ -15332,7 +15102,7 @@
                                     </p:anim>
                                     <p:animScale>
                                       <p:cBhvr>
-                                        <p:cTn id="38" dur="26">
+                                        <p:cTn id="29" dur="26">
                                           <p:stCondLst>
                                             <p:cond delay="650"/>
                                           </p:stCondLst>
@@ -15345,7 +15115,7 @@
                                     </p:animScale>
                                     <p:animScale>
                                       <p:cBhvr>
-                                        <p:cTn id="39" dur="166" decel="50000">
+                                        <p:cTn id="30" dur="166" decel="50000">
                                           <p:stCondLst>
                                             <p:cond delay="676"/>
                                           </p:stCondLst>
@@ -15358,7 +15128,7 @@
                                     </p:animScale>
                                     <p:animScale>
                                       <p:cBhvr>
-                                        <p:cTn id="40" dur="26">
+                                        <p:cTn id="31" dur="26">
                                           <p:stCondLst>
                                             <p:cond delay="1312"/>
                                           </p:stCondLst>
@@ -15371,7 +15141,7 @@
                                     </p:animScale>
                                     <p:animScale>
                                       <p:cBhvr>
-                                        <p:cTn id="41" dur="166" decel="50000">
+                                        <p:cTn id="32" dur="166" decel="50000">
                                           <p:stCondLst>
                                             <p:cond delay="1338"/>
                                           </p:stCondLst>
@@ -15384,7 +15154,7 @@
                                     </p:animScale>
                                     <p:animScale>
                                       <p:cBhvr>
-                                        <p:cTn id="42" dur="26">
+                                        <p:cTn id="33" dur="26">
                                           <p:stCondLst>
                                             <p:cond delay="1642"/>
                                           </p:stCondLst>
@@ -15397,7 +15167,7 @@
                                     </p:animScale>
                                     <p:animScale>
                                       <p:cBhvr>
-                                        <p:cTn id="43" dur="166" decel="50000">
+                                        <p:cTn id="34" dur="166" decel="50000">
                                           <p:stCondLst>
                                             <p:cond delay="1668"/>
                                           </p:stCondLst>
@@ -15410,7 +15180,7 @@
                                     </p:animScale>
                                     <p:animScale>
                                       <p:cBhvr>
-                                        <p:cTn id="44" dur="26">
+                                        <p:cTn id="35" dur="26">
                                           <p:stCondLst>
                                             <p:cond delay="1808"/>
                                           </p:stCondLst>
@@ -15423,7 +15193,7 @@
                                     </p:animScale>
                                     <p:animScale>
                                       <p:cBhvr>
-                                        <p:cTn id="45" dur="166" decel="50000">
+                                        <p:cTn id="36" dur="166" decel="50000">
                                           <p:stCondLst>
                                             <p:cond delay="1834"/>
                                           </p:stCondLst>
@@ -15434,95 +15204,6 @@
                                       </p:cBhvr>
                                       <p:to x="100000" y="100000"/>
                                     </p:animScale>
-                                  </p:childTnLst>
-                                </p:cTn>
-                              </p:par>
-                              <p:par>
-                                <p:cTn id="46" presetID="34" presetClass="emph" presetSubtype="0" repeatCount="10000" fill="hold" grpId="1" nodeType="withEffect">
-                                  <p:stCondLst>
-                                    <p:cond delay="0"/>
-                                  </p:stCondLst>
-                                  <p:iterate type="lt">
-                                    <p:tmPct val="10000"/>
-                                  </p:iterate>
-                                  <p:childTnLst>
-                                    <p:animMotion origin="layout" path="M 0 1.11022E-16 L 0 -0.07222 " pathEditMode="relative" rAng="0" ptsTypes="AA">
-                                      <p:cBhvr>
-                                        <p:cTn id="47" dur="250" accel="50000" decel="50000" autoRev="1" fill="hold">
-                                          <p:stCondLst>
-                                            <p:cond delay="0"/>
-                                          </p:stCondLst>
-                                        </p:cTn>
-                                        <p:tgtEl>
-                                          <p:spTgt spid="2"/>
-                                        </p:tgtEl>
-                                        <p:attrNameLst>
-                                          <p:attrName>ppt_x</p:attrName>
-                                          <p:attrName>ppt_y</p:attrName>
-                                        </p:attrNameLst>
-                                      </p:cBhvr>
-                                      <p:rCtr x="0" y="-3611"/>
-                                    </p:animMotion>
-                                    <p:animRot by="1500000">
-                                      <p:cBhvr>
-                                        <p:cTn id="48" dur="125" fill="hold">
-                                          <p:stCondLst>
-                                            <p:cond delay="0"/>
-                                          </p:stCondLst>
-                                        </p:cTn>
-                                        <p:tgtEl>
-                                          <p:spTgt spid="2"/>
-                                        </p:tgtEl>
-                                        <p:attrNameLst>
-                                          <p:attrName>r</p:attrName>
-                                        </p:attrNameLst>
-                                      </p:cBhvr>
-                                    </p:animRot>
-                                    <p:animRot by="-1500000">
-                                      <p:cBhvr>
-                                        <p:cTn id="49" dur="125" fill="hold">
-                                          <p:stCondLst>
-                                            <p:cond delay="125"/>
-                                          </p:stCondLst>
-                                        </p:cTn>
-                                        <p:tgtEl>
-                                          <p:spTgt spid="2"/>
-                                        </p:tgtEl>
-                                        <p:attrNameLst>
-                                          <p:attrName>r</p:attrName>
-                                        </p:attrNameLst>
-                                      </p:cBhvr>
-                                    </p:animRot>
-                                    <p:animRot by="-1500000">
-                                      <p:cBhvr>
-                                        <p:cTn id="50" dur="125" fill="hold">
-                                          <p:stCondLst>
-                                            <p:cond delay="250"/>
-                                          </p:stCondLst>
-                                        </p:cTn>
-                                        <p:tgtEl>
-                                          <p:spTgt spid="2"/>
-                                        </p:tgtEl>
-                                        <p:attrNameLst>
-                                          <p:attrName>r</p:attrName>
-                                        </p:attrNameLst>
-                                      </p:cBhvr>
-                                    </p:animRot>
-                                    <p:animRot by="1500000">
-                                      <p:cBhvr>
-                                        <p:cTn id="51" dur="125" fill="hold">
-                                          <p:stCondLst>
-                                            <p:cond delay="375"/>
-                                          </p:stCondLst>
-                                        </p:cTn>
-                                        <p:tgtEl>
-                                          <p:spTgt spid="2"/>
-                                        </p:tgtEl>
-                                        <p:attrNameLst>
-                                          <p:attrName>r</p:attrName>
-                                        </p:attrNameLst>
-                                      </p:cBhvr>
-                                    </p:animRot>
                                   </p:childTnLst>
                                 </p:cTn>
                               </p:par>
@@ -15551,7 +15232,7 @@
             </p:seq>
             <p:audio isNarration="1">
               <p:cMediaNode vol="80000" showWhenStopped="0">
-                <p:cTn id="52" fill="hold" display="0">
+                <p:cTn id="37" fill="hold" display="0">
                   <p:stCondLst>
                     <p:cond delay="indefinite"/>
                   </p:stCondLst>
@@ -15574,9 +15255,7 @@
     </p:tnLst>
     <p:bldLst>
       <p:bldP spid="4" grpId="0"/>
-      <p:bldP spid="4" grpId="1"/>
       <p:bldP spid="2" grpId="0"/>
-      <p:bldP spid="2" grpId="1"/>
     </p:bldLst>
   </p:timing>
 </p:sld>
